--- a/assets/Plantilla_ReunionesCoordinacionFinCuatrimestre.pptx
+++ b/assets/Plantilla_ReunionesCoordinacionFinCuatrimestre.pptx
@@ -14,8 +14,8 @@
     <p:sldId id="508" r:id="rId5"/>
     <p:sldId id="625" r:id="rId6"/>
     <p:sldId id="626" r:id="rId7"/>
-    <p:sldId id="549" r:id="rId8"/>
-    <p:sldId id="627" r:id="rId9"/>
+    <p:sldId id="629" r:id="rId8"/>
+    <p:sldId id="630" r:id="rId9"/>
     <p:sldId id="628" r:id="rId10"/>
   </p:sldIdLst>
   <p:sldSz cx="9144000" cy="6858000" type="screen4x3"/>
@@ -329,6 +329,7 @@
 
 <file path=ppt/authors.xml><?xml version="1.0" encoding="utf-8"?>
 <p188:authorLst xmlns:a="http://schemas.openxmlformats.org/drawingml/2006/main" xmlns:r="http://schemas.openxmlformats.org/officeDocument/2006/relationships" xmlns:p188="http://schemas.microsoft.com/office/powerpoint/2018/8/main">
+  <p188:author id="{1E68F30A-1D79-EEDD-3921-095D326BB37A}" name="Iván Ramírez Díaz" initials="IR" userId="S::ivan.ramirez@urjc.es::181acad1-c6a6-459d-871e-0eba2d600649" providerId="AD"/>
   <p188:author id="{1B539B7A-BFE5-91DD-9831-C11F4F25B591}" name="grado ingenieriainformatica" initials="gi" userId="S::grado.ingenieriainformatica@urjc.es::9d40e5c8-3287-409d-9cff-f02c13a045a3" providerId="AD"/>
   <p188:author id="{EEC000C9-2FBA-B9F2-FB2C-7DBB775D186C}" name="etsii subdireccion.oa" initials="es" userId="S::etsii.subdireccion.oa@urjc.es::172d4a83-4cd0-47f1-a2b7-8e2e04debd23" providerId="AD"/>
   <p188:author id="{D57183DA-AA13-1129-9A48-A4E38D11BFFC}" name="ERNESTO ARANDA ESCOLASTICO" initials="EA" userId="S::earandae@issi.uned.es::5129a33d-e138-4100-9c5f-c68b660ea148" providerId="AD"/>
@@ -11282,6 +11283,30 @@
     </pc:docChg>
   </pc:docChgLst>
   <pc:docChgLst>
+    <pc:chgData name="Jesús Sanchez-Oro Calvo" userId="S::jesus.sanchezoro@urjc.es::7a1a82d3-2fa3-4ccc-a987-67365126dc6a" providerId="AD" clId="Web-{41286508-7945-4533-B663-E9F347088DCA}"/>
+    <pc:docChg chg="addSld modSld">
+      <pc:chgData name="Jesús Sanchez-Oro Calvo" userId="S::jesus.sanchezoro@urjc.es::7a1a82d3-2fa3-4ccc-a987-67365126dc6a" providerId="AD" clId="Web-{41286508-7945-4533-B663-E9F347088DCA}" dt="2020-03-03T20:55:20.892" v="474" actId="20577"/>
+      <pc:docMkLst>
+        <pc:docMk/>
+      </pc:docMkLst>
+      <pc:sldChg chg="modSp add replId">
+        <pc:chgData name="Jesús Sanchez-Oro Calvo" userId="S::jesus.sanchezoro@urjc.es::7a1a82d3-2fa3-4ccc-a987-67365126dc6a" providerId="AD" clId="Web-{41286508-7945-4533-B663-E9F347088DCA}" dt="2020-03-03T20:55:20.892" v="474" actId="20577"/>
+        <pc:sldMkLst>
+          <pc:docMk/>
+          <pc:sldMk cId="4114996785" sldId="514"/>
+        </pc:sldMkLst>
+        <pc:spChg chg="mod">
+          <ac:chgData name="Jesús Sanchez-Oro Calvo" userId="S::jesus.sanchezoro@urjc.es::7a1a82d3-2fa3-4ccc-a987-67365126dc6a" providerId="AD" clId="Web-{41286508-7945-4533-B663-E9F347088DCA}" dt="2020-03-03T20:55:20.892" v="474" actId="20577"/>
+          <ac:spMkLst>
+            <pc:docMk/>
+            <pc:sldMk cId="4114996785" sldId="514"/>
+            <ac:spMk id="3" creationId="{00000000-0000-0000-0000-000000000000}"/>
+          </ac:spMkLst>
+        </pc:spChg>
+      </pc:sldChg>
+    </pc:docChg>
+  </pc:docChgLst>
+  <pc:docChgLst>
     <pc:chgData name="María Jesús Algar Díaz" userId="S::mariajesus.algar@urjc.es::dc2b64b8-f97f-4641-883e-c9a3add0d754" providerId="AD" clId="Web-{D2B8B1F2-4684-47BE-89A6-2AAE92B71A15}"/>
     <pc:docChg chg="addSld modSld sldOrd">
       <pc:chgData name="María Jesús Algar Díaz" userId="S::mariajesus.algar@urjc.es::dc2b64b8-f97f-4641-883e-c9a3add0d754" providerId="AD" clId="Web-{D2B8B1F2-4684-47BE-89A6-2AAE92B71A15}" dt="2022-03-07T09:49:05.197" v="405" actId="20577"/>
@@ -11415,30 +11440,6 @@
             <pc:docMk/>
             <pc:sldMk cId="141102229" sldId="559"/>
             <ac:spMk id="6147" creationId="{00000000-0000-0000-0000-000000000000}"/>
-          </ac:spMkLst>
-        </pc:spChg>
-      </pc:sldChg>
-    </pc:docChg>
-  </pc:docChgLst>
-  <pc:docChgLst>
-    <pc:chgData name="Jesús Sanchez-Oro Calvo" userId="S::jesus.sanchezoro@urjc.es::7a1a82d3-2fa3-4ccc-a987-67365126dc6a" providerId="AD" clId="Web-{41286508-7945-4533-B663-E9F347088DCA}"/>
-    <pc:docChg chg="addSld modSld">
-      <pc:chgData name="Jesús Sanchez-Oro Calvo" userId="S::jesus.sanchezoro@urjc.es::7a1a82d3-2fa3-4ccc-a987-67365126dc6a" providerId="AD" clId="Web-{41286508-7945-4533-B663-E9F347088DCA}" dt="2020-03-03T20:55:20.892" v="474" actId="20577"/>
-      <pc:docMkLst>
-        <pc:docMk/>
-      </pc:docMkLst>
-      <pc:sldChg chg="modSp add replId">
-        <pc:chgData name="Jesús Sanchez-Oro Calvo" userId="S::jesus.sanchezoro@urjc.es::7a1a82d3-2fa3-4ccc-a987-67365126dc6a" providerId="AD" clId="Web-{41286508-7945-4533-B663-E9F347088DCA}" dt="2020-03-03T20:55:20.892" v="474" actId="20577"/>
-        <pc:sldMkLst>
-          <pc:docMk/>
-          <pc:sldMk cId="4114996785" sldId="514"/>
-        </pc:sldMkLst>
-        <pc:spChg chg="mod">
-          <ac:chgData name="Jesús Sanchez-Oro Calvo" userId="S::jesus.sanchezoro@urjc.es::7a1a82d3-2fa3-4ccc-a987-67365126dc6a" providerId="AD" clId="Web-{41286508-7945-4533-B663-E9F347088DCA}" dt="2020-03-03T20:55:20.892" v="474" actId="20577"/>
-          <ac:spMkLst>
-            <pc:docMk/>
-            <pc:sldMk cId="4114996785" sldId="514"/>
-            <ac:spMk id="3" creationId="{00000000-0000-0000-0000-000000000000}"/>
           </ac:spMkLst>
         </pc:spChg>
       </pc:sldChg>
@@ -12912,76 +12913,6 @@
     </pc:docChg>
   </pc:docChgLst>
 </pc:chgInfo>
-</file>
-
-<file path=ppt/comments/modernComment_137_0.xml><?xml version="1.0" encoding="utf-8"?>
-<p188:cmLst xmlns:a="http://schemas.openxmlformats.org/drawingml/2006/main" xmlns:r="http://schemas.openxmlformats.org/officeDocument/2006/relationships" xmlns:p188="http://schemas.microsoft.com/office/powerpoint/2018/8/main">
-  <p188:cm id="{76A95E31-DD53-4E61-8F6A-1B7A4F251400}" authorId="{1B539B7A-BFE5-91DD-9831-C11F4F25B591}" created="2025-01-20T19:46:41.760">
-    <ac:txMkLst xmlns:ac="http://schemas.microsoft.com/office/drawing/2013/main/command">
-      <pc:docMk xmlns:pc="http://schemas.microsoft.com/office/powerpoint/2013/main/command"/>
-      <pc:sldMk xmlns:pc="http://schemas.microsoft.com/office/powerpoint/2013/main/command" cId="0" sldId="311"/>
-      <ac:spMk id="17" creationId="{00000000-0000-0000-0000-000000000000}"/>
-      <ac:txMk cp="195" len="11">
-        <ac:context len="339" hash="2951468685"/>
-      </ac:txMk>
-    </ac:txMkLst>
-    <p188:pos x="6921000" y="1539000"/>
-    <p188:txBody>
-      <a:bodyPr/>
-      <a:lstStyle/>
-      <a:p>
-        <a:r>
-          <a:rPr lang="es-ES"/>
-          <a:t>Estudiantes</a:t>
-        </a:r>
-      </a:p>
-    </p188:txBody>
-    <p188:extLst>
-      <p:ext xmlns:p="http://schemas.openxmlformats.org/presentationml/2006/main" uri="{57CB4572-C831-44C2-8A1C-0ADB6CCDFE69}">
-        <p223:reactions xmlns:p223="http://schemas.microsoft.com/office/powerpoint/2022/03/main">
-          <p223:rxn type="👍">
-            <p223:instance time="2025-01-21T05:57:28.642" authorId="{EEC000C9-2FBA-B9F2-FB2C-7DBB775D186C}"/>
-          </p223:rxn>
-        </p223:reactions>
-      </p:ext>
-    </p188:extLst>
-  </p188:cm>
-</p188:cmLst>
-</file>
-
-<file path=ppt/comments/modernComment_268_E8FC9EA1.xml><?xml version="1.0" encoding="utf-8"?>
-<p188:cmLst xmlns:a="http://schemas.openxmlformats.org/drawingml/2006/main" xmlns:r="http://schemas.openxmlformats.org/officeDocument/2006/relationships" xmlns:p188="http://schemas.microsoft.com/office/powerpoint/2018/8/main">
-  <p188:cm id="{B1E57869-1418-4236-B4A0-19B12928A2D5}" authorId="{1B539B7A-BFE5-91DD-9831-C11F4F25B591}" created="2025-01-20T19:48:08.060">
-    <ac:txMkLst xmlns:ac="http://schemas.microsoft.com/office/drawing/2013/main/command">
-      <pc:docMk xmlns:pc="http://schemas.microsoft.com/office/powerpoint/2013/main/command"/>
-      <pc:sldMk xmlns:pc="http://schemas.microsoft.com/office/powerpoint/2013/main/command" cId="3908869793" sldId="616"/>
-      <ac:spMk id="3" creationId="{951917E6-E969-4978-A3B0-83233C7F8FC2}"/>
-      <ac:txMk cp="443" len="35">
-        <ac:context len="542" hash="2701940931"/>
-      </ac:txMk>
-    </ac:txMkLst>
-    <p188:pos x="4527000" y="3073500"/>
-    <p188:txBody>
-      <a:bodyPr/>
-      <a:lstStyle/>
-      <a:p>
-        <a:r>
-          <a:rPr lang="es-ES"/>
-          <a:t>entre docentes de la misma asignatura</a:t>
-        </a:r>
-      </a:p>
-    </p188:txBody>
-    <p188:extLst>
-      <p:ext xmlns:p="http://schemas.openxmlformats.org/presentationml/2006/main" uri="{57CB4572-C831-44C2-8A1C-0ADB6CCDFE69}">
-        <p223:reactions xmlns:p223="http://schemas.microsoft.com/office/powerpoint/2022/03/main">
-          <p223:rxn type="👍">
-            <p223:instance time="2025-01-21T05:57:47.158" authorId="{EEC000C9-2FBA-B9F2-FB2C-7DBB775D186C}"/>
-          </p223:rxn>
-        </p223:reactions>
-      </p:ext>
-    </p188:extLst>
-  </p188:cm>
-</p188:cmLst>
 </file>
 
 <file path=ppt/notesMasters/notesMaster1.xml><?xml version="1.0" encoding="utf-8"?>
@@ -13261,40 +13192,9 @@
           <a:bodyPr/>
           <a:lstStyle/>
           <a:p>
-            <a:r>
-              <a:rPr lang="es-ES" altLang="es-ES">
-                <a:latin typeface="Arial" panose="02080604020202020204" pitchFamily="34" charset="0"/>
-              </a:rPr>
-              <a:t>Verifica es donde se acreditan los proyectos de </a:t>
-            </a:r>
-            <a:r>
-              <a:rPr lang="es-ES" altLang="es-ES" err="1">
-                <a:latin typeface="Arial" panose="02080604020202020204" pitchFamily="34" charset="0"/>
-              </a:rPr>
-              <a:t>Titulos</a:t>
-            </a:r>
-          </a:p>
-          <a:p>
-            <a:r>
-              <a:rPr lang="es-ES" altLang="es-ES" err="1">
-                <a:latin typeface="Arial" panose="02080604020202020204" pitchFamily="34" charset="0"/>
-              </a:rPr>
-              <a:t>Monitors</a:t>
-            </a:r>
-            <a:r>
-              <a:rPr lang="es-ES" altLang="es-ES">
-                <a:latin typeface="Arial" panose="02080604020202020204" pitchFamily="34" charset="0"/>
-              </a:rPr>
-              <a:t> es la implantación de títulos</a:t>
-            </a:r>
-          </a:p>
-          <a:p>
-            <a:r>
-              <a:rPr lang="es-ES" altLang="es-ES">
-                <a:latin typeface="Arial" panose="02080604020202020204" pitchFamily="34" charset="0"/>
-              </a:rPr>
-              <a:t>Acredita es la rendición de cuentas</a:t>
-            </a:r>
+            <a:endParaRPr lang="es-ES" altLang="es-ES" dirty="0">
+              <a:latin typeface="Arial" panose="02080604020202020204" pitchFamily="34" charset="0"/>
+            </a:endParaRPr>
           </a:p>
         </p:txBody>
       </p:sp>
@@ -13533,40 +13433,9 @@
           <a:bodyPr/>
           <a:lstStyle/>
           <a:p>
-            <a:r>
-              <a:rPr lang="es-ES" altLang="es-ES">
-                <a:latin typeface="Arial" panose="02080604020202020204" pitchFamily="34" charset="0"/>
-              </a:rPr>
-              <a:t>Verifica es donde se acreditan los proyectos de </a:t>
-            </a:r>
-            <a:r>
-              <a:rPr lang="es-ES" altLang="es-ES" err="1">
-                <a:latin typeface="Arial" panose="02080604020202020204" pitchFamily="34" charset="0"/>
-              </a:rPr>
-              <a:t>Titulos</a:t>
-            </a:r>
-          </a:p>
-          <a:p>
-            <a:r>
-              <a:rPr lang="es-ES" altLang="es-ES" err="1">
-                <a:latin typeface="Arial" panose="02080604020202020204" pitchFamily="34" charset="0"/>
-              </a:rPr>
-              <a:t>Monitors</a:t>
-            </a:r>
-            <a:r>
-              <a:rPr lang="es-ES" altLang="es-ES">
-                <a:latin typeface="Arial" panose="02080604020202020204" pitchFamily="34" charset="0"/>
-              </a:rPr>
-              <a:t> es la implantación de títulos</a:t>
-            </a:r>
-          </a:p>
-          <a:p>
-            <a:r>
-              <a:rPr lang="es-ES" altLang="es-ES">
-                <a:latin typeface="Arial" panose="02080604020202020204" pitchFamily="34" charset="0"/>
-              </a:rPr>
-              <a:t>Acredita es la rendición de cuentas</a:t>
-            </a:r>
+            <a:endParaRPr lang="es-ES" altLang="es-ES" dirty="0">
+              <a:latin typeface="Arial" panose="02080604020202020204" pitchFamily="34" charset="0"/>
+            </a:endParaRPr>
           </a:p>
         </p:txBody>
       </p:sp>
@@ -13745,7 +13614,13 @@
   <p:cSld>
     <p:spTree>
       <p:nvGrpSpPr>
-        <p:cNvPr id="1" name=""/>
+        <p:cNvPr id="1" name="">
+          <a:extLst>
+            <a:ext uri="{FF2B5EF4-FFF2-40B4-BE49-F238E27FC236}">
+              <a16:creationId xmlns:a16="http://schemas.microsoft.com/office/drawing/2014/main" id="{02E752FC-C49A-E20D-C03A-823DF6A9703A}"/>
+            </a:ext>
+          </a:extLst>
+        </p:cNvPr>
         <p:cNvGrpSpPr/>
         <p:nvPr/>
       </p:nvGrpSpPr>
@@ -13759,7 +13634,13 @@
       </p:grpSpPr>
       <p:sp>
         <p:nvSpPr>
-          <p:cNvPr id="7170" name="Marcador de imagen de diapositiva 1"/>
+          <p:cNvPr id="7170" name="Marcador de imagen de diapositiva 1">
+            <a:extLst>
+              <a:ext uri="{FF2B5EF4-FFF2-40B4-BE49-F238E27FC236}">
+                <a16:creationId xmlns:a16="http://schemas.microsoft.com/office/drawing/2014/main" id="{FB2DE4AA-48E5-D305-16B3-F5316F71CB13}"/>
+              </a:ext>
+            </a:extLst>
+          </p:cNvPr>
           <p:cNvSpPr>
             <a:spLocks noGrp="1" noRot="1" noChangeAspect="1" noTextEdit="1"/>
           </p:cNvSpPr>
@@ -13771,7 +13652,13 @@
       </p:sp>
       <p:sp>
         <p:nvSpPr>
-          <p:cNvPr id="7171" name="Marcador de notas 2"/>
+          <p:cNvPr id="7171" name="Marcador de notas 2">
+            <a:extLst>
+              <a:ext uri="{FF2B5EF4-FFF2-40B4-BE49-F238E27FC236}">
+                <a16:creationId xmlns:a16="http://schemas.microsoft.com/office/drawing/2014/main" id="{BD9D552E-1087-D495-FFDF-E3984A96B13A}"/>
+              </a:ext>
+            </a:extLst>
+          </p:cNvPr>
           <p:cNvSpPr>
             <a:spLocks noGrp="1"/>
           </p:cNvSpPr>
@@ -13805,46 +13692,21 @@
           <a:bodyPr/>
           <a:lstStyle/>
           <a:p>
-            <a:r>
-              <a:rPr lang="es-ES" altLang="es-ES">
-                <a:latin typeface="Arial" panose="02080604020202020204" pitchFamily="34" charset="0"/>
-              </a:rPr>
-              <a:t>Verifica es donde se acreditan los proyectos de </a:t>
-            </a:r>
-            <a:r>
-              <a:rPr lang="es-ES" altLang="es-ES" err="1">
-                <a:latin typeface="Arial" panose="02080604020202020204" pitchFamily="34" charset="0"/>
-              </a:rPr>
-              <a:t>Titulos</a:t>
-            </a:r>
-          </a:p>
-          <a:p>
-            <a:r>
-              <a:rPr lang="es-ES" altLang="es-ES" err="1">
-                <a:latin typeface="Arial" panose="02080604020202020204" pitchFamily="34" charset="0"/>
-              </a:rPr>
-              <a:t>Monitors</a:t>
-            </a:r>
-            <a:r>
-              <a:rPr lang="es-ES" altLang="es-ES">
-                <a:latin typeface="Arial" panose="02080604020202020204" pitchFamily="34" charset="0"/>
-              </a:rPr>
-              <a:t> es la implantación de títulos</a:t>
-            </a:r>
-          </a:p>
-          <a:p>
-            <a:r>
-              <a:rPr lang="es-ES" altLang="es-ES">
-                <a:latin typeface="Arial" panose="02080604020202020204" pitchFamily="34" charset="0"/>
-              </a:rPr>
-              <a:t>Acredita es la rendición de cuentas</a:t>
-            </a:r>
+            <a:endParaRPr lang="es-ES" altLang="es-ES" dirty="0">
+              <a:latin typeface="Arial" panose="02080604020202020204" pitchFamily="34" charset="0"/>
+            </a:endParaRPr>
           </a:p>
         </p:txBody>
       </p:sp>
       <p:sp>
         <p:nvSpPr>
-          <p:cNvPr id="7172" name="Marcador de número de diapositiva 3"/>
+          <p:cNvPr id="7172" name="Marcador de número de diapositiva 3">
+            <a:extLst>
+              <a:ext uri="{FF2B5EF4-FFF2-40B4-BE49-F238E27FC236}">
+                <a16:creationId xmlns:a16="http://schemas.microsoft.com/office/drawing/2014/main" id="{B7079789-5E26-3C07-9606-170CCE864C6E}"/>
+              </a:ext>
+            </a:extLst>
+          </p:cNvPr>
           <p:cNvSpPr>
             <a:spLocks noGrp="1"/>
           </p:cNvSpPr>
@@ -14002,7 +13864,7 @@
     </p:spTree>
     <p:extLst>
       <p:ext uri="{BB962C8B-B14F-4D97-AF65-F5344CB8AC3E}">
-        <p14:creationId xmlns:p14="http://schemas.microsoft.com/office/powerpoint/2010/main" val="2192592026"/>
+        <p14:creationId xmlns:p14="http://schemas.microsoft.com/office/powerpoint/2010/main" val="301450323"/>
       </p:ext>
     </p:extLst>
   </p:cSld>
@@ -14017,7 +13879,13 @@
   <p:cSld>
     <p:spTree>
       <p:nvGrpSpPr>
-        <p:cNvPr id="1" name=""/>
+        <p:cNvPr id="1" name="">
+          <a:extLst>
+            <a:ext uri="{FF2B5EF4-FFF2-40B4-BE49-F238E27FC236}">
+              <a16:creationId xmlns:a16="http://schemas.microsoft.com/office/drawing/2014/main" id="{4C2AE1AC-1504-1CCA-90C3-CDC3025CE54B}"/>
+            </a:ext>
+          </a:extLst>
+        </p:cNvPr>
         <p:cNvGrpSpPr/>
         <p:nvPr/>
       </p:nvGrpSpPr>
@@ -14031,7 +13899,13 @@
       </p:grpSpPr>
       <p:sp>
         <p:nvSpPr>
-          <p:cNvPr id="7170" name="Marcador de imagen de diapositiva 1"/>
+          <p:cNvPr id="7170" name="Marcador de imagen de diapositiva 1">
+            <a:extLst>
+              <a:ext uri="{FF2B5EF4-FFF2-40B4-BE49-F238E27FC236}">
+                <a16:creationId xmlns:a16="http://schemas.microsoft.com/office/drawing/2014/main" id="{6503790D-FD52-8647-BD8D-2A098D74FAC5}"/>
+              </a:ext>
+            </a:extLst>
+          </p:cNvPr>
           <p:cNvSpPr>
             <a:spLocks noGrp="1" noRot="1" noChangeAspect="1" noTextEdit="1"/>
           </p:cNvSpPr>
@@ -14043,7 +13917,13 @@
       </p:sp>
       <p:sp>
         <p:nvSpPr>
-          <p:cNvPr id="7171" name="Marcador de notas 2"/>
+          <p:cNvPr id="7171" name="Marcador de notas 2">
+            <a:extLst>
+              <a:ext uri="{FF2B5EF4-FFF2-40B4-BE49-F238E27FC236}">
+                <a16:creationId xmlns:a16="http://schemas.microsoft.com/office/drawing/2014/main" id="{C4E4B41A-F3E7-046D-01A6-6A01C651A536}"/>
+              </a:ext>
+            </a:extLst>
+          </p:cNvPr>
           <p:cNvSpPr>
             <a:spLocks noGrp="1"/>
           </p:cNvSpPr>
@@ -14077,46 +13957,21 @@
           <a:bodyPr/>
           <a:lstStyle/>
           <a:p>
-            <a:r>
-              <a:rPr lang="es-ES" altLang="es-ES">
-                <a:latin typeface="Arial" panose="02080604020202020204" pitchFamily="34" charset="0"/>
-              </a:rPr>
-              <a:t>Verifica es donde se acreditan los proyectos de </a:t>
-            </a:r>
-            <a:r>
-              <a:rPr lang="es-ES" altLang="es-ES" err="1">
-                <a:latin typeface="Arial" panose="02080604020202020204" pitchFamily="34" charset="0"/>
-              </a:rPr>
-              <a:t>Titulos</a:t>
-            </a:r>
-          </a:p>
-          <a:p>
-            <a:r>
-              <a:rPr lang="es-ES" altLang="es-ES" err="1">
-                <a:latin typeface="Arial" panose="02080604020202020204" pitchFamily="34" charset="0"/>
-              </a:rPr>
-              <a:t>Monitors</a:t>
-            </a:r>
-            <a:r>
-              <a:rPr lang="es-ES" altLang="es-ES">
-                <a:latin typeface="Arial" panose="02080604020202020204" pitchFamily="34" charset="0"/>
-              </a:rPr>
-              <a:t> es la implantación de títulos</a:t>
-            </a:r>
-          </a:p>
-          <a:p>
-            <a:r>
-              <a:rPr lang="es-ES" altLang="es-ES">
-                <a:latin typeface="Arial" panose="02080604020202020204" pitchFamily="34" charset="0"/>
-              </a:rPr>
-              <a:t>Acredita es la rendición de cuentas</a:t>
-            </a:r>
+            <a:endParaRPr lang="es-ES" altLang="es-ES" dirty="0">
+              <a:latin typeface="Arial" panose="02080604020202020204" pitchFamily="34" charset="0"/>
+            </a:endParaRPr>
           </a:p>
         </p:txBody>
       </p:sp>
       <p:sp>
         <p:nvSpPr>
-          <p:cNvPr id="7172" name="Marcador de número de diapositiva 3"/>
+          <p:cNvPr id="7172" name="Marcador de número de diapositiva 3">
+            <a:extLst>
+              <a:ext uri="{FF2B5EF4-FFF2-40B4-BE49-F238E27FC236}">
+                <a16:creationId xmlns:a16="http://schemas.microsoft.com/office/drawing/2014/main" id="{33FFADC5-5A13-4CDD-95EE-9C2DC6CD96DC}"/>
+              </a:ext>
+            </a:extLst>
+          </p:cNvPr>
           <p:cNvSpPr>
             <a:spLocks noGrp="1"/>
           </p:cNvSpPr>
@@ -14274,7 +14129,7 @@
     </p:spTree>
     <p:extLst>
       <p:ext uri="{BB962C8B-B14F-4D97-AF65-F5344CB8AC3E}">
-        <p14:creationId xmlns:p14="http://schemas.microsoft.com/office/powerpoint/2010/main" val="4282318265"/>
+        <p14:creationId xmlns:p14="http://schemas.microsoft.com/office/powerpoint/2010/main" val="916850963"/>
       </p:ext>
     </p:extLst>
   </p:cSld>
@@ -14349,40 +14204,9 @@
           <a:bodyPr/>
           <a:lstStyle/>
           <a:p>
-            <a:r>
-              <a:rPr lang="es-ES" altLang="es-ES">
-                <a:latin typeface="Arial" panose="02080604020202020204" pitchFamily="34" charset="0"/>
-              </a:rPr>
-              <a:t>Verifica es donde se acreditan los proyectos de </a:t>
-            </a:r>
-            <a:r>
-              <a:rPr lang="es-ES" altLang="es-ES" err="1">
-                <a:latin typeface="Arial" panose="02080604020202020204" pitchFamily="34" charset="0"/>
-              </a:rPr>
-              <a:t>Titulos</a:t>
-            </a:r>
-          </a:p>
-          <a:p>
-            <a:r>
-              <a:rPr lang="es-ES" altLang="es-ES" err="1">
-                <a:latin typeface="Arial" panose="02080604020202020204" pitchFamily="34" charset="0"/>
-              </a:rPr>
-              <a:t>Monitors</a:t>
-            </a:r>
-            <a:r>
-              <a:rPr lang="es-ES" altLang="es-ES">
-                <a:latin typeface="Arial" panose="02080604020202020204" pitchFamily="34" charset="0"/>
-              </a:rPr>
-              <a:t> es la implantación de títulos</a:t>
-            </a:r>
-          </a:p>
-          <a:p>
-            <a:r>
-              <a:rPr lang="es-ES" altLang="es-ES">
-                <a:latin typeface="Arial" panose="02080604020202020204" pitchFamily="34" charset="0"/>
-              </a:rPr>
-              <a:t>Acredita es la rendición de cuentas</a:t>
-            </a:r>
+            <a:endParaRPr lang="es-ES" altLang="es-ES" dirty="0">
+              <a:latin typeface="Arial" panose="02080604020202020204" pitchFamily="34" charset="0"/>
+            </a:endParaRPr>
           </a:p>
         </p:txBody>
       </p:sp>
@@ -17474,8 +17298,8 @@
         </p:nvSpPr>
         <p:spPr>
           <a:xfrm>
-            <a:off x="685800" y="1586136"/>
-            <a:ext cx="7772400" cy="1470025"/>
+            <a:off x="685800" y="1589311"/>
+            <a:ext cx="7772400" cy="1752600"/>
           </a:xfrm>
         </p:spPr>
         <p:txBody>
@@ -17499,41 +17323,7 @@
                 <a:latin typeface="Arial"/>
                 <a:cs typeface="Arial"/>
               </a:rPr>
-              <a:t>Curso </a:t>
-            </a:r>
-            <a:r>
-              <a:rPr lang="es-ES" b="1" dirty="0">
-                <a:highlight>
-                  <a:srgbClr val="FFFF00"/>
-                </a:highlight>
-                <a:latin typeface="Arial"/>
-                <a:cs typeface="Arial"/>
-              </a:rPr>
-              <a:t>XXXX-XX</a:t>
-            </a:r>
-            <a:r>
-              <a:rPr lang="es-ES" sz="3600" b="1" dirty="0">
-                <a:latin typeface="Arial"/>
-                <a:cs typeface="Arial"/>
-              </a:rPr>
-              <a:t> – </a:t>
-            </a:r>
-            <a:r>
-              <a:rPr lang="es-ES" sz="3600" b="1" dirty="0">
-                <a:highlight>
-                  <a:srgbClr val="FFFF00"/>
-                </a:highlight>
-                <a:latin typeface="Arial"/>
-                <a:cs typeface="Arial"/>
-              </a:rPr>
-              <a:t>Primer</a:t>
-            </a:r>
-            <a:r>
-              <a:rPr lang="es-ES" sz="3600" b="1" dirty="0">
-                <a:latin typeface="Arial"/>
-                <a:cs typeface="Arial"/>
-              </a:rPr>
-              <a:t> Semestre</a:t>
+              <a:t>Curso {{CURSO_ACADEMICO}}–{{Semestre}} Semestre</a:t>
             </a:r>
             <a:br>
               <a:rPr lang="es-ES" sz="3600" b="1" dirty="0"/>
@@ -17546,7 +17336,7 @@
                 <a:latin typeface="Arial"/>
                 <a:cs typeface="Arial"/>
               </a:rPr>
-              <a:t>XX/XX/XXXX</a:t>
+              <a:t>{{FECHA_REUNION}}</a:t>
             </a:r>
             <a:endParaRPr lang="es-ES" sz="3600" b="1" dirty="0">
               <a:highlight>
@@ -17570,7 +17360,7 @@
         </p:nvSpPr>
         <p:spPr>
           <a:xfrm>
-            <a:off x="1371600" y="3341911"/>
+            <a:off x="1371600" y="3602107"/>
             <a:ext cx="6400800" cy="1752600"/>
           </a:xfrm>
         </p:spPr>
@@ -17582,15 +17372,7 @@
           <a:p>
             <a:r>
               <a:rPr lang="es-ES" sz="2800" b="1" dirty="0"/>
-              <a:t>Grado en </a:t>
-            </a:r>
-            <a:r>
-              <a:rPr lang="es-ES" sz="2800" b="1" dirty="0">
-                <a:highlight>
-                  <a:srgbClr val="FFFF00"/>
-                </a:highlight>
-              </a:rPr>
-              <a:t>...</a:t>
+              <a:t>{{TITULO_GRADO}}</a:t>
             </a:r>
             <a:endParaRPr lang="es-ES" dirty="0">
               <a:highlight>
@@ -17599,7 +17381,7 @@
             </a:endParaRPr>
           </a:p>
           <a:p>
-            <a:endParaRPr lang="es-ES" sz="2800" b="1"/>
+            <a:endParaRPr lang="es-ES" sz="2800" b="1" dirty="0"/>
           </a:p>
         </p:txBody>
       </p:sp>
@@ -17623,86 +17405,6 @@
               <a:t>1</a:t>
             </a:fld>
             <a:endParaRPr lang="es-ES"/>
-          </a:p>
-        </p:txBody>
-      </p:sp>
-      <p:sp>
-        <p:nvSpPr>
-          <p:cNvPr id="5" name="Rectángulo 4">
-            <a:extLst>
-              <a:ext uri="{FF2B5EF4-FFF2-40B4-BE49-F238E27FC236}">
-                <a16:creationId xmlns:a16="http://schemas.microsoft.com/office/drawing/2014/main" id="{A0A6F452-59A3-9E48-B0B5-892AFEAC2450}"/>
-              </a:ext>
-            </a:extLst>
-          </p:cNvPr>
-          <p:cNvSpPr/>
-          <p:nvPr/>
-        </p:nvSpPr>
-        <p:spPr>
-          <a:xfrm>
-            <a:off x="206828" y="903514"/>
-            <a:ext cx="8697685" cy="609600"/>
-          </a:xfrm>
-          <a:prstGeom prst="rect">
-            <a:avLst/>
-          </a:prstGeom>
-          <a:solidFill>
-            <a:srgbClr val="FFFFFF"/>
-          </a:solidFill>
-          <a:ln w="25400" cap="flat">
-            <a:noFill/>
-            <a:prstDash val="solid"/>
-            <a:round/>
-          </a:ln>
-          <a:effectLst/>
-        </p:spPr>
-        <p:style>
-          <a:lnRef idx="0">
-            <a:scrgbClr r="0" g="0" b="0"/>
-          </a:lnRef>
-          <a:fillRef idx="0">
-            <a:scrgbClr r="0" g="0" b="0"/>
-          </a:fillRef>
-          <a:effectRef idx="0">
-            <a:scrgbClr r="0" g="0" b="0"/>
-          </a:effectRef>
-          <a:fontRef idx="none"/>
-        </p:style>
-        <p:txBody>
-          <a:bodyPr rot="0" spcFirstLastPara="1" vertOverflow="overflow" horzOverflow="overflow" vert="horz" wrap="square" lIns="45719" tIns="45719" rIns="45719" bIns="45719" numCol="1" spcCol="38100" rtlCol="0" anchor="ctr">
-            <a:spAutoFit/>
-          </a:bodyPr>
-          <a:lstStyle/>
-          <a:p>
-            <a:pPr marL="0" marR="0" indent="0" algn="l" defTabSz="914400" rtl="0" fontAlgn="auto" latinLnBrk="0" hangingPunct="0">
-              <a:lnSpc>
-                <a:spcPct val="100000"/>
-              </a:lnSpc>
-              <a:spcBef>
-                <a:spcPts val="0"/>
-              </a:spcBef>
-              <a:spcAft>
-                <a:spcPts val="0"/>
-              </a:spcAft>
-              <a:buClrTx/>
-              <a:buSzTx/>
-              <a:buFontTx/>
-              <a:buNone/>
-            </a:pPr>
-            <a:endParaRPr kumimoji="0" lang="es-ES" sz="1800" b="0" i="0" u="none" strike="noStrike" cap="none" spc="0" normalizeH="0" baseline="0">
-              <a:ln>
-                <a:noFill/>
-              </a:ln>
-              <a:solidFill>
-                <a:srgbClr val="000000"/>
-              </a:solidFill>
-              <a:effectLst/>
-              <a:uFillTx/>
-              <a:latin typeface="+mn-lt"/>
-              <a:ea typeface="+mn-ea"/>
-              <a:cs typeface="+mn-cs"/>
-              <a:sym typeface="Calibri" panose="020F0502020204030204"/>
-            </a:endParaRPr>
           </a:p>
         </p:txBody>
       </p:sp>
@@ -17865,11 +17567,6 @@
     <a:masterClrMapping/>
   </p:clrMapOvr>
   <p:transition/>
-  <p:extLst>
-    <p:ext uri="{6950BFC3-D8DA-4A85-94F7-54DA5524770B}">
-      <p188:commentRel xmlns:p188="http://schemas.microsoft.com/office/powerpoint/2018/8/main" r:id="rId2"/>
-    </p:ext>
-  </p:extLst>
 </p:sld>
 </file>
 
@@ -18165,11 +17862,6 @@
     <a:masterClrMapping/>
   </p:clrMapOvr>
   <p:transition spd="med"/>
-  <p:extLst>
-    <p:ext uri="{6950BFC3-D8DA-4A85-94F7-54DA5524770B}">
-      <p188:commentRel xmlns:p188="http://schemas.microsoft.com/office/powerpoint/2018/8/main" r:id="rId2"/>
-    </p:ext>
-  </p:extLst>
 </p:sld>
 </file>
 
@@ -18603,166 +18295,13 @@
           <a:lstStyle/>
           <a:p>
             <a:r>
-              <a:rPr lang="es-ES" altLang="es-ES">
+              <a:rPr lang="es-ES" altLang="es-ES" dirty="0">
                 <a:latin typeface="Arial"/>
                 <a:cs typeface="Arial"/>
               </a:rPr>
               <a:t>Resumen del cuatrimestre</a:t>
             </a:r>
-            <a:endParaRPr lang="es-ES" altLang="es-ES"/>
-          </a:p>
-        </p:txBody>
-      </p:sp>
-      <p:sp>
-        <p:nvSpPr>
-          <p:cNvPr id="6147" name="Marcador de contenido 2"/>
-          <p:cNvSpPr>
-            <a:spLocks noGrp="1"/>
-          </p:cNvSpPr>
-          <p:nvPr>
-            <p:ph idx="1"/>
-          </p:nvPr>
-        </p:nvSpPr>
-        <p:spPr>
-          <a:xfrm>
-            <a:off x="401602" y="1449693"/>
-            <a:ext cx="8397875" cy="4709369"/>
-          </a:xfrm>
-        </p:spPr>
-        <p:txBody>
-          <a:bodyPr lIns="45719" tIns="45720" rIns="45719" bIns="45720" anchor="t">
-            <a:noAutofit/>
-          </a:bodyPr>
-          <a:lstStyle/>
-          <a:p>
-            <a:pPr marL="457200" indent="-457200"/>
-            <a:r>
-              <a:rPr lang="es-ES" sz="1600" dirty="0">
-                <a:solidFill>
-                  <a:srgbClr val="00B050"/>
-                </a:solidFill>
-                <a:ea typeface="+mn-lt"/>
-                <a:cs typeface="+mn-lt"/>
-              </a:rPr>
-              <a:t>Incidencias</a:t>
-            </a:r>
-          </a:p>
-          <a:p>
-            <a:pPr marL="457200" indent="-457200"/>
-            <a:r>
-              <a:rPr lang="es-ES" sz="1600" dirty="0">
-                <a:solidFill>
-                  <a:srgbClr val="00B050"/>
-                </a:solidFill>
-                <a:ea typeface="+mn-lt"/>
-                <a:cs typeface="+mn-lt"/>
-              </a:rPr>
-              <a:t>¿Todas las asignaturas han tenido profes?</a:t>
-            </a:r>
-          </a:p>
-          <a:p>
-            <a:pPr marL="457200" indent="-457200"/>
-            <a:r>
-              <a:rPr lang="es-ES" sz="1600" dirty="0">
-                <a:solidFill>
-                  <a:srgbClr val="00B050"/>
-                </a:solidFill>
-                <a:ea typeface="+mn-lt"/>
-                <a:cs typeface="+mn-lt"/>
-              </a:rPr>
-              <a:t>Casos de fraude notificados</a:t>
-            </a:r>
-          </a:p>
-          <a:p>
-            <a:pPr marL="457200" indent="-457200"/>
-            <a:r>
-              <a:rPr lang="es-ES" sz="1600" dirty="0">
-                <a:solidFill>
-                  <a:srgbClr val="00B050"/>
-                </a:solidFill>
-                <a:ea typeface="+mn-lt"/>
-                <a:cs typeface="+mn-lt"/>
-              </a:rPr>
-              <a:t>¿Se han notificado todas las fechas de actividades de evaluación?</a:t>
-            </a:r>
-          </a:p>
-          <a:p>
-            <a:pPr marL="457200" indent="-457200"/>
-            <a:r>
-              <a:rPr lang="es-ES" sz="1600" dirty="0">
-                <a:solidFill>
-                  <a:srgbClr val="00B050"/>
-                </a:solidFill>
-                <a:ea typeface="+mn-lt"/>
-                <a:cs typeface="+mn-lt"/>
-              </a:rPr>
-              <a:t>Cambios de fechas de actividades de evaluación</a:t>
-            </a:r>
-          </a:p>
-          <a:p>
-            <a:pPr marL="457200" indent="-457200"/>
-            <a:r>
-              <a:rPr lang="es-ES" sz="1600" dirty="0">
-                <a:solidFill>
-                  <a:srgbClr val="00B050"/>
-                </a:solidFill>
-                <a:ea typeface="+mn-lt"/>
-                <a:cs typeface="+mn-lt"/>
-              </a:rPr>
-              <a:t>¿Se han recibido reclamaciones? Resumen de las reclamaciones</a:t>
-            </a:r>
-          </a:p>
-          <a:p>
-            <a:pPr marL="457200" indent="-457200"/>
-            <a:r>
-              <a:rPr lang="es-ES" sz="1600" dirty="0">
-                <a:solidFill>
-                  <a:srgbClr val="00B050"/>
-                </a:solidFill>
-                <a:ea typeface="+mn-lt"/>
-                <a:cs typeface="+mn-lt"/>
-              </a:rPr>
-              <a:t>¿Se han recibido quejas? Resumen de las quejas</a:t>
-            </a:r>
-          </a:p>
-          <a:p>
-            <a:pPr marL="457200" indent="-457200"/>
-            <a:r>
-              <a:rPr lang="es-ES" sz="1600" dirty="0">
-                <a:solidFill>
-                  <a:srgbClr val="00B050"/>
-                </a:solidFill>
-                <a:ea typeface="+mn-lt"/>
-                <a:cs typeface="+mn-lt"/>
-              </a:rPr>
-              <a:t>¿Alguna incidencia durante la convocatoria ordinaria?</a:t>
-            </a:r>
-          </a:p>
-          <a:p>
-            <a:pPr marL="457200" indent="-457200"/>
-            <a:r>
-              <a:rPr lang="es-ES" sz="1600" dirty="0">
-                <a:solidFill>
-                  <a:srgbClr val="00B050"/>
-                </a:solidFill>
-                <a:ea typeface="+mn-lt"/>
-                <a:cs typeface="+mn-lt"/>
-              </a:rPr>
-              <a:t>Información sobre jornadas o actividades</a:t>
-            </a:r>
-          </a:p>
-          <a:p>
-            <a:pPr marL="457200" indent="-457200"/>
-            <a:r>
-              <a:rPr lang="es-ES" sz="1600" dirty="0">
-                <a:solidFill>
-                  <a:srgbClr val="00B050"/>
-                </a:solidFill>
-                <a:ea typeface="+mn-lt"/>
-                <a:cs typeface="+mn-lt"/>
-              </a:rPr>
-              <a:t>...</a:t>
-            </a:r>
+            <a:endParaRPr lang="es-ES" altLang="es-ES" dirty="0"/>
           </a:p>
         </p:txBody>
       </p:sp>
@@ -18789,6 +18328,121 @@
           </a:p>
         </p:txBody>
       </p:sp>
+      <p:sp>
+        <p:nvSpPr>
+          <p:cNvPr id="7" name="CuadroTexto 6">
+            <a:extLst>
+              <a:ext uri="{FF2B5EF4-FFF2-40B4-BE49-F238E27FC236}">
+                <a16:creationId xmlns:a16="http://schemas.microsoft.com/office/drawing/2014/main" id="{0C9A0A5C-6DDD-5ABB-2870-1600C1EA92A8}"/>
+              </a:ext>
+            </a:extLst>
+          </p:cNvPr>
+          <p:cNvSpPr txBox="1"/>
+          <p:nvPr/>
+        </p:nvSpPr>
+        <p:spPr>
+          <a:xfrm>
+            <a:off x="780585" y="1564274"/>
+            <a:ext cx="7794455" cy="2862322"/>
+          </a:xfrm>
+          <a:prstGeom prst="rect">
+            <a:avLst/>
+          </a:prstGeom>
+          <a:noFill/>
+          <a:ln w="12700" cap="flat">
+            <a:noFill/>
+            <a:miter lim="400000"/>
+          </a:ln>
+          <a:effectLst/>
+        </p:spPr>
+        <p:style>
+          <a:lnRef idx="0">
+            <a:scrgbClr r="0" g="0" b="0"/>
+          </a:lnRef>
+          <a:fillRef idx="0">
+            <a:scrgbClr r="0" g="0" b="0"/>
+          </a:fillRef>
+          <a:effectRef idx="0">
+            <a:scrgbClr r="0" g="0" b="0"/>
+          </a:effectRef>
+          <a:fontRef idx="none"/>
+        </p:style>
+        <p:txBody>
+          <a:bodyPr wrap="square">
+            <a:spAutoFit/>
+          </a:bodyPr>
+          <a:lstStyle/>
+          <a:p>
+            <a:r>
+              <a:rPr lang="es-ES" sz="1200" dirty="0"/>
+              <a:t>Profesorado asignado en todas las asignaturas: {{PROFESORADO}}</a:t>
+            </a:r>
+          </a:p>
+          <a:p>
+            <a:endParaRPr lang="es-ES" sz="1200" dirty="0"/>
+          </a:p>
+          <a:p>
+            <a:r>
+              <a:rPr lang="es-ES" sz="1200" dirty="0"/>
+              <a:t>Casos de fraude detectados o comunicados: {{FRAUDE}}</a:t>
+            </a:r>
+          </a:p>
+          <a:p>
+            <a:endParaRPr lang="es-ES" sz="1200" dirty="0"/>
+          </a:p>
+          <a:p>
+            <a:r>
+              <a:rPr lang="es-ES" sz="1200" dirty="0"/>
+              <a:t>Notificación de fechas de actividades de evaluación: {{FECHAS_EVALUACION}}</a:t>
+            </a:r>
+          </a:p>
+          <a:p>
+            <a:endParaRPr lang="es-ES" sz="1200" dirty="0"/>
+          </a:p>
+          <a:p>
+            <a:r>
+              <a:rPr lang="es-ES" sz="1200" dirty="0"/>
+              <a:t>Modificaciones de pruebas de evaluación: {{MODIFICACIONES_CALENDARIO}}</a:t>
+            </a:r>
+          </a:p>
+          <a:p>
+            <a:endParaRPr lang="es-ES" sz="1200" dirty="0"/>
+          </a:p>
+          <a:p>
+            <a:r>
+              <a:rPr lang="es-ES" sz="1200" dirty="0"/>
+              <a:t>Reclamaciones recibidas: {{RECLAMACIONES}}</a:t>
+            </a:r>
+          </a:p>
+          <a:p>
+            <a:endParaRPr lang="es-ES" sz="1200" dirty="0"/>
+          </a:p>
+          <a:p>
+            <a:r>
+              <a:rPr lang="es-ES" sz="1200" dirty="0"/>
+              <a:t>Quejas recibidas: {{QUEJAS}}</a:t>
+            </a:r>
+          </a:p>
+          <a:p>
+            <a:endParaRPr lang="es-ES" sz="1200" dirty="0"/>
+          </a:p>
+          <a:p>
+            <a:r>
+              <a:rPr lang="es-ES" sz="1200" dirty="0"/>
+              <a:t>Incidencias durante la convocatoria ordinaria: {{INCIDENCIAS_CONVOCATORIA}}</a:t>
+            </a:r>
+          </a:p>
+          <a:p>
+            <a:endParaRPr lang="es-ES" sz="1200" dirty="0"/>
+          </a:p>
+          <a:p>
+            <a:r>
+              <a:rPr lang="es-ES" sz="1200" dirty="0"/>
+              <a:t>Jornadas y/o actividades: {{JORNADAS_ACTIVIDADES}}</a:t>
+            </a:r>
+          </a:p>
+        </p:txBody>
+      </p:sp>
     </p:spTree>
     <p:extLst>
       <p:ext uri="{BB962C8B-B14F-4D97-AF65-F5344CB8AC3E}">
@@ -18808,7 +18462,13 @@
   <p:cSld>
     <p:spTree>
       <p:nvGrpSpPr>
-        <p:cNvPr id="1" name=""/>
+        <p:cNvPr id="1" name="">
+          <a:extLst>
+            <a:ext uri="{FF2B5EF4-FFF2-40B4-BE49-F238E27FC236}">
+              <a16:creationId xmlns:a16="http://schemas.microsoft.com/office/drawing/2014/main" id="{7715F939-9F91-4B45-8448-087F93AF2028}"/>
+            </a:ext>
+          </a:extLst>
+        </p:cNvPr>
         <p:cNvGrpSpPr/>
         <p:nvPr/>
       </p:nvGrpSpPr>
@@ -18822,7 +18482,13 @@
       </p:grpSpPr>
       <p:sp>
         <p:nvSpPr>
-          <p:cNvPr id="6146" name="Título 1"/>
+          <p:cNvPr id="6146" name="Título 1">
+            <a:extLst>
+              <a:ext uri="{FF2B5EF4-FFF2-40B4-BE49-F238E27FC236}">
+                <a16:creationId xmlns:a16="http://schemas.microsoft.com/office/drawing/2014/main" id="{D8681329-76A5-7864-B6F6-DCD6D953EA22}"/>
+              </a:ext>
+            </a:extLst>
+          </p:cNvPr>
           <p:cNvSpPr>
             <a:spLocks noGrp="1"/>
           </p:cNvSpPr>
@@ -18849,13 +18515,19 @@
               </a:rPr>
               <a:t>Informe sobre los partes de asignatura de docentes</a:t>
             </a:r>
-            <a:endParaRPr lang="es-ES" dirty="0"/>
+            <a:endParaRPr lang="es-ES" altLang="es-ES" dirty="0"/>
           </a:p>
         </p:txBody>
       </p:sp>
       <p:sp>
         <p:nvSpPr>
-          <p:cNvPr id="2" name="Marcador de número de diapositiva 1"/>
+          <p:cNvPr id="2" name="Marcador de número de diapositiva 1">
+            <a:extLst>
+              <a:ext uri="{FF2B5EF4-FFF2-40B4-BE49-F238E27FC236}">
+                <a16:creationId xmlns:a16="http://schemas.microsoft.com/office/drawing/2014/main" id="{CFB944CF-6FC0-713C-474E-EEC0B2EA4027}"/>
+              </a:ext>
+            </a:extLst>
+          </p:cNvPr>
           <p:cNvSpPr>
             <a:spLocks noGrp="1"/>
           </p:cNvSpPr>
@@ -18878,483 +18550,123 @@
       </p:sp>
       <p:sp>
         <p:nvSpPr>
-          <p:cNvPr id="4" name="Marcador de contenido 2">
+          <p:cNvPr id="7" name="CuadroTexto 6">
             <a:extLst>
               <a:ext uri="{FF2B5EF4-FFF2-40B4-BE49-F238E27FC236}">
-                <a16:creationId xmlns:a16="http://schemas.microsoft.com/office/drawing/2014/main" id="{9211F17E-6761-F1A5-B29D-DFAFB643E944}"/>
+                <a16:creationId xmlns:a16="http://schemas.microsoft.com/office/drawing/2014/main" id="{FA1533EF-28DE-D877-9134-CB098B8DEE63}"/>
               </a:ext>
             </a:extLst>
           </p:cNvPr>
-          <p:cNvSpPr txBox="1">
-            <a:spLocks/>
-          </p:cNvSpPr>
+          <p:cNvSpPr txBox="1"/>
           <p:nvPr/>
         </p:nvSpPr>
         <p:spPr>
           <a:xfrm>
-            <a:off x="401602" y="1449693"/>
-            <a:ext cx="8397875" cy="4709369"/>
+            <a:off x="780585" y="1564274"/>
+            <a:ext cx="7794455" cy="2862322"/>
           </a:xfrm>
           <a:prstGeom prst="rect">
             <a:avLst/>
           </a:prstGeom>
-          <a:ln w="12700">
+          <a:noFill/>
+          <a:ln w="12700" cap="flat">
+            <a:noFill/>
             <a:miter lim="400000"/>
           </a:ln>
+          <a:effectLst/>
         </p:spPr>
+        <p:style>
+          <a:lnRef idx="0">
+            <a:scrgbClr r="0" g="0" b="0"/>
+          </a:lnRef>
+          <a:fillRef idx="0">
+            <a:scrgbClr r="0" g="0" b="0"/>
+          </a:fillRef>
+          <a:effectRef idx="0">
+            <a:scrgbClr r="0" g="0" b="0"/>
+          </a:effectRef>
+          <a:fontRef idx="none"/>
+        </p:style>
         <p:txBody>
-          <a:bodyPr lIns="45719" tIns="45720" rIns="45719" bIns="45720" anchor="t">
-            <a:noAutofit/>
+          <a:bodyPr wrap="square">
+            <a:spAutoFit/>
           </a:bodyPr>
-          <a:lstStyle>
-            <a:lvl1pPr marL="342900" marR="0" indent="-342900" algn="l" defTabSz="914400" rtl="0" latinLnBrk="0">
-              <a:lnSpc>
-                <a:spcPct val="100000"/>
-              </a:lnSpc>
-              <a:spcBef>
-                <a:spcPts val="700"/>
-              </a:spcBef>
-              <a:spcAft>
-                <a:spcPts val="0"/>
-              </a:spcAft>
-              <a:buClrTx/>
-              <a:buSzPct val="100000"/>
-              <a:buFont typeface="Arial"/>
-              <a:buChar char="•"/>
-              <a:defRPr sz="3200" b="0" i="0" u="none" strike="noStrike" cap="none" spc="0" baseline="0">
-                <a:ln>
-                  <a:noFill/>
-                </a:ln>
-                <a:solidFill>
-                  <a:srgbClr val="000000"/>
-                </a:solidFill>
-                <a:uFillTx/>
-                <a:latin typeface="+mn-lt"/>
-                <a:ea typeface="+mn-ea"/>
-                <a:cs typeface="+mn-cs"/>
-                <a:sym typeface="Calibri" panose="020F0502020204030204"/>
-              </a:defRPr>
-            </a:lvl1pPr>
-            <a:lvl2pPr marL="783590" marR="0" indent="-326390" algn="l" defTabSz="914400" rtl="0" latinLnBrk="0">
-              <a:lnSpc>
-                <a:spcPct val="100000"/>
-              </a:lnSpc>
-              <a:spcBef>
-                <a:spcPts val="700"/>
-              </a:spcBef>
-              <a:spcAft>
-                <a:spcPts val="0"/>
-              </a:spcAft>
-              <a:buClrTx/>
-              <a:buSzPct val="100000"/>
-              <a:buFont typeface="Arial"/>
-              <a:buChar char="–"/>
-              <a:defRPr sz="3200" b="0" i="0" u="none" strike="noStrike" cap="none" spc="0" baseline="0">
-                <a:ln>
-                  <a:noFill/>
-                </a:ln>
-                <a:solidFill>
-                  <a:srgbClr val="000000"/>
-                </a:solidFill>
-                <a:uFillTx/>
-                <a:latin typeface="+mn-lt"/>
-                <a:ea typeface="+mn-ea"/>
-                <a:cs typeface="+mn-cs"/>
-                <a:sym typeface="Calibri" panose="020F0502020204030204"/>
-              </a:defRPr>
-            </a:lvl2pPr>
-            <a:lvl3pPr marL="1219200" marR="0" indent="-304800" algn="l" defTabSz="914400" rtl="0" latinLnBrk="0">
-              <a:lnSpc>
-                <a:spcPct val="100000"/>
-              </a:lnSpc>
-              <a:spcBef>
-                <a:spcPts val="700"/>
-              </a:spcBef>
-              <a:spcAft>
-                <a:spcPts val="0"/>
-              </a:spcAft>
-              <a:buClrTx/>
-              <a:buSzPct val="100000"/>
-              <a:buFont typeface="Arial"/>
-              <a:buChar char="•"/>
-              <a:defRPr sz="3200" b="0" i="0" u="none" strike="noStrike" cap="none" spc="0" baseline="0">
-                <a:ln>
-                  <a:noFill/>
-                </a:ln>
-                <a:solidFill>
-                  <a:srgbClr val="000000"/>
-                </a:solidFill>
-                <a:uFillTx/>
-                <a:latin typeface="+mn-lt"/>
-                <a:ea typeface="+mn-ea"/>
-                <a:cs typeface="+mn-cs"/>
-                <a:sym typeface="Calibri" panose="020F0502020204030204"/>
-              </a:defRPr>
-            </a:lvl3pPr>
-            <a:lvl4pPr marL="1737360" marR="0" indent="-365760" algn="l" defTabSz="914400" rtl="0" latinLnBrk="0">
-              <a:lnSpc>
-                <a:spcPct val="100000"/>
-              </a:lnSpc>
-              <a:spcBef>
-                <a:spcPts val="700"/>
-              </a:spcBef>
-              <a:spcAft>
-                <a:spcPts val="0"/>
-              </a:spcAft>
-              <a:buClrTx/>
-              <a:buSzPct val="100000"/>
-              <a:buFont typeface="Arial"/>
-              <a:buChar char="–"/>
-              <a:defRPr sz="3200" b="0" i="0" u="none" strike="noStrike" cap="none" spc="0" baseline="0">
-                <a:ln>
-                  <a:noFill/>
-                </a:ln>
-                <a:solidFill>
-                  <a:srgbClr val="000000"/>
-                </a:solidFill>
-                <a:uFillTx/>
-                <a:latin typeface="+mn-lt"/>
-                <a:ea typeface="+mn-ea"/>
-                <a:cs typeface="+mn-cs"/>
-                <a:sym typeface="Calibri" panose="020F0502020204030204"/>
-              </a:defRPr>
-            </a:lvl4pPr>
-            <a:lvl5pPr marL="2194560" marR="0" indent="-365760" algn="l" defTabSz="914400" rtl="0" latinLnBrk="0">
-              <a:lnSpc>
-                <a:spcPct val="100000"/>
-              </a:lnSpc>
-              <a:spcBef>
-                <a:spcPts val="700"/>
-              </a:spcBef>
-              <a:spcAft>
-                <a:spcPts val="0"/>
-              </a:spcAft>
-              <a:buClrTx/>
-              <a:buSzPct val="100000"/>
-              <a:buFont typeface="Arial"/>
-              <a:buChar char="»"/>
-              <a:defRPr sz="3200" b="0" i="0" u="none" strike="noStrike" cap="none" spc="0" baseline="0">
-                <a:ln>
-                  <a:noFill/>
-                </a:ln>
-                <a:solidFill>
-                  <a:srgbClr val="000000"/>
-                </a:solidFill>
-                <a:uFillTx/>
-                <a:latin typeface="+mn-lt"/>
-                <a:ea typeface="+mn-ea"/>
-                <a:cs typeface="+mn-cs"/>
-                <a:sym typeface="Calibri" panose="020F0502020204030204"/>
-              </a:defRPr>
-            </a:lvl5pPr>
-            <a:lvl6pPr marL="2651760" marR="0" indent="-365760" algn="l" defTabSz="914400" rtl="0" latinLnBrk="0">
-              <a:lnSpc>
-                <a:spcPct val="100000"/>
-              </a:lnSpc>
-              <a:spcBef>
-                <a:spcPts val="700"/>
-              </a:spcBef>
-              <a:spcAft>
-                <a:spcPts val="0"/>
-              </a:spcAft>
-              <a:buClrTx/>
-              <a:buSzPct val="100000"/>
-              <a:buFont typeface="Arial"/>
-              <a:buChar char="•"/>
-              <a:defRPr sz="3200" b="0" i="0" u="none" strike="noStrike" cap="none" spc="0" baseline="0">
-                <a:ln>
-                  <a:noFill/>
-                </a:ln>
-                <a:solidFill>
-                  <a:srgbClr val="000000"/>
-                </a:solidFill>
-                <a:uFillTx/>
-                <a:latin typeface="+mn-lt"/>
-                <a:ea typeface="+mn-ea"/>
-                <a:cs typeface="+mn-cs"/>
-                <a:sym typeface="Calibri" panose="020F0502020204030204"/>
-              </a:defRPr>
-            </a:lvl6pPr>
-            <a:lvl7pPr marL="3108960" marR="0" indent="-365760" algn="l" defTabSz="914400" rtl="0" latinLnBrk="0">
-              <a:lnSpc>
-                <a:spcPct val="100000"/>
-              </a:lnSpc>
-              <a:spcBef>
-                <a:spcPts val="700"/>
-              </a:spcBef>
-              <a:spcAft>
-                <a:spcPts val="0"/>
-              </a:spcAft>
-              <a:buClrTx/>
-              <a:buSzPct val="100000"/>
-              <a:buFont typeface="Arial"/>
-              <a:buChar char="•"/>
-              <a:defRPr sz="3200" b="0" i="0" u="none" strike="noStrike" cap="none" spc="0" baseline="0">
-                <a:ln>
-                  <a:noFill/>
-                </a:ln>
-                <a:solidFill>
-                  <a:srgbClr val="000000"/>
-                </a:solidFill>
-                <a:uFillTx/>
-                <a:latin typeface="+mn-lt"/>
-                <a:ea typeface="+mn-ea"/>
-                <a:cs typeface="+mn-cs"/>
-                <a:sym typeface="Calibri" panose="020F0502020204030204"/>
-              </a:defRPr>
-            </a:lvl7pPr>
-            <a:lvl8pPr marL="3566160" marR="0" indent="-365760" algn="l" defTabSz="914400" rtl="0" latinLnBrk="0">
-              <a:lnSpc>
-                <a:spcPct val="100000"/>
-              </a:lnSpc>
-              <a:spcBef>
-                <a:spcPts val="700"/>
-              </a:spcBef>
-              <a:spcAft>
-                <a:spcPts val="0"/>
-              </a:spcAft>
-              <a:buClrTx/>
-              <a:buSzPct val="100000"/>
-              <a:buFont typeface="Arial"/>
-              <a:buChar char="•"/>
-              <a:defRPr sz="3200" b="0" i="0" u="none" strike="noStrike" cap="none" spc="0" baseline="0">
-                <a:ln>
-                  <a:noFill/>
-                </a:ln>
-                <a:solidFill>
-                  <a:srgbClr val="000000"/>
-                </a:solidFill>
-                <a:uFillTx/>
-                <a:latin typeface="+mn-lt"/>
-                <a:ea typeface="+mn-ea"/>
-                <a:cs typeface="+mn-cs"/>
-                <a:sym typeface="Calibri" panose="020F0502020204030204"/>
-              </a:defRPr>
-            </a:lvl8pPr>
-            <a:lvl9pPr marL="4023360" marR="0" indent="-365760" algn="l" defTabSz="914400" rtl="0" latinLnBrk="0">
-              <a:lnSpc>
-                <a:spcPct val="100000"/>
-              </a:lnSpc>
-              <a:spcBef>
-                <a:spcPts val="700"/>
-              </a:spcBef>
-              <a:spcAft>
-                <a:spcPts val="0"/>
-              </a:spcAft>
-              <a:buClrTx/>
-              <a:buSzPct val="100000"/>
-              <a:buFont typeface="Arial"/>
-              <a:buChar char="•"/>
-              <a:defRPr sz="3200" b="0" i="0" u="none" strike="noStrike" cap="none" spc="0" baseline="0">
-                <a:ln>
-                  <a:noFill/>
-                </a:ln>
-                <a:solidFill>
-                  <a:srgbClr val="000000"/>
-                </a:solidFill>
-                <a:uFillTx/>
-                <a:latin typeface="+mn-lt"/>
-                <a:ea typeface="+mn-ea"/>
-                <a:cs typeface="+mn-cs"/>
-                <a:sym typeface="Calibri" panose="020F0502020204030204"/>
-              </a:defRPr>
-            </a:lvl9pPr>
-          </a:lstStyle>
+          <a:lstStyle/>
           <a:p>
-            <a:pPr marL="0" indent="0">
-              <a:buNone/>
-            </a:pPr>
             <a:r>
-              <a:rPr lang="es-ES" sz="1600" dirty="0">
-                <a:solidFill>
-                  <a:srgbClr val="00B050"/>
-                </a:solidFill>
-                <a:ea typeface="+mn-lt"/>
-                <a:cs typeface="+mn-lt"/>
-              </a:rPr>
-              <a:t>Aspectos que se pueden tratar:</a:t>
+              <a:rPr lang="es-ES" sz="1200" dirty="0"/>
+              <a:t>Número de partes de asignatura no rellenadas por el profesorado: {{PARTES_NO_RELLENADAS}}</a:t>
             </a:r>
           </a:p>
           <a:p>
-            <a:pPr marL="457200" indent="-457200"/>
-            <a:r>
-              <a:rPr lang="es-ES" sz="1600" dirty="0" err="1">
-                <a:solidFill>
-                  <a:srgbClr val="00B050"/>
-                </a:solidFill>
-                <a:ea typeface="+mn-lt"/>
-                <a:cs typeface="+mn-lt"/>
-              </a:rPr>
-              <a:t>Nº</a:t>
-            </a:r>
-            <a:r>
-              <a:rPr lang="es-ES" sz="1600" dirty="0">
-                <a:solidFill>
-                  <a:srgbClr val="00B050"/>
-                </a:solidFill>
-                <a:ea typeface="+mn-lt"/>
-                <a:cs typeface="+mn-lt"/>
-              </a:rPr>
-              <a:t> de partes de asignatura que no han rellenado los profes</a:t>
-            </a:r>
-            <a:endParaRPr lang="es-ES">
-              <a:solidFill>
-                <a:srgbClr val="00B050"/>
-              </a:solidFill>
-            </a:endParaRPr>
+            <a:endParaRPr lang="es-ES" sz="1200" dirty="0"/>
           </a:p>
           <a:p>
-            <a:pPr marL="457200" indent="-457200" hangingPunct="1"/>
             <a:r>
-              <a:rPr lang="es-ES" sz="1600" dirty="0">
-                <a:solidFill>
-                  <a:srgbClr val="00B050"/>
-                </a:solidFill>
-                <a:ea typeface="+mn-lt"/>
-                <a:cs typeface="+mn-lt"/>
-              </a:rPr>
-              <a:t>Análisis de la satisfacción con el grupo</a:t>
+              <a:rPr lang="es-ES" sz="1200" dirty="0"/>
+              <a:t>Análisis de la satisfacción con el grupo: {{SATISFACCION_GRUPO}}</a:t>
             </a:r>
           </a:p>
           <a:p>
-            <a:pPr marL="457200" indent="-457200"/>
-            <a:r>
-              <a:rPr lang="es-ES" sz="1600" dirty="0">
-                <a:solidFill>
-                  <a:srgbClr val="00B050"/>
-                </a:solidFill>
-                <a:ea typeface="+mn-lt"/>
-                <a:cs typeface="+mn-lt"/>
-              </a:rPr>
-              <a:t>Tasas de rendimiento</a:t>
-            </a:r>
-            <a:endParaRPr lang="es-ES">
-              <a:solidFill>
-                <a:srgbClr val="00B050"/>
-              </a:solidFill>
-              <a:ea typeface="+mn-lt"/>
-              <a:cs typeface="+mn-lt"/>
-            </a:endParaRPr>
+            <a:endParaRPr lang="es-ES" sz="1200" dirty="0"/>
           </a:p>
           <a:p>
-            <a:pPr marL="457200" indent="-457200"/>
             <a:r>
-              <a:rPr lang="es-ES" sz="1600" dirty="0">
-                <a:solidFill>
-                  <a:srgbClr val="00B050"/>
-                </a:solidFill>
-                <a:ea typeface="+mn-lt"/>
-                <a:cs typeface="+mn-lt"/>
-              </a:rPr>
-              <a:t>Desdobles (cómo se han hecho?, se han cumplido?...)</a:t>
+              <a:rPr lang="es-ES" sz="1200" dirty="0"/>
+              <a:t>Tasas de rendimiento: {{TASAS_RENDIMIENTO}}</a:t>
             </a:r>
           </a:p>
           <a:p>
-            <a:pPr marL="457200" indent="-457200"/>
-            <a:r>
-              <a:rPr lang="es-ES" sz="1600" dirty="0">
-                <a:solidFill>
-                  <a:srgbClr val="00B050"/>
-                </a:solidFill>
-                <a:ea typeface="+mn-lt"/>
-                <a:cs typeface="+mn-lt"/>
-              </a:rPr>
-              <a:t>Deficiencias de formación</a:t>
-            </a:r>
-            <a:endParaRPr lang="es-ES">
-              <a:solidFill>
-                <a:srgbClr val="00B050"/>
-              </a:solidFill>
-              <a:ea typeface="+mn-lt"/>
-              <a:cs typeface="+mn-lt"/>
-            </a:endParaRPr>
+            <a:endParaRPr lang="es-ES" sz="1200" dirty="0"/>
           </a:p>
           <a:p>
-            <a:pPr marL="457200" indent="-457200"/>
             <a:r>
-              <a:rPr lang="es-ES" sz="1600" dirty="0">
-                <a:solidFill>
-                  <a:srgbClr val="00B050"/>
-                </a:solidFill>
-                <a:ea typeface="+mn-lt"/>
-                <a:cs typeface="+mn-lt"/>
-              </a:rPr>
-              <a:t>Solapes entre asignaturas</a:t>
-            </a:r>
-            <a:endParaRPr lang="es-ES">
-              <a:solidFill>
-                <a:srgbClr val="00B050"/>
-              </a:solidFill>
-              <a:ea typeface="+mn-lt"/>
-              <a:cs typeface="+mn-lt"/>
-            </a:endParaRPr>
-          </a:p>
-          <a:p>
-            <a:pPr marL="457200" indent="-457200"/>
-            <a:r>
-              <a:rPr lang="es-ES" sz="1600" dirty="0">
-                <a:solidFill>
-                  <a:srgbClr val="00B050"/>
-                </a:solidFill>
-                <a:ea typeface="+mn-lt"/>
-                <a:cs typeface="+mn-lt"/>
-              </a:rPr>
-              <a:t>Observaciones destacables</a:t>
-            </a:r>
-            <a:endParaRPr lang="es-ES">
-              <a:solidFill>
-                <a:srgbClr val="00B050"/>
-              </a:solidFill>
-              <a:ea typeface="+mn-lt"/>
-              <a:cs typeface="+mn-lt"/>
-            </a:endParaRPr>
-          </a:p>
-          <a:p>
-            <a:pPr marL="457200" indent="-457200"/>
-            <a:r>
-              <a:rPr lang="es-ES" sz="1600" dirty="0">
-                <a:solidFill>
-                  <a:srgbClr val="00B050"/>
-                </a:solidFill>
-                <a:ea typeface="+mn-lt"/>
-                <a:cs typeface="+mn-lt"/>
-              </a:rPr>
-              <a:t>Comentarios destacables</a:t>
-            </a:r>
-            <a:endParaRPr lang="es-ES">
-              <a:solidFill>
-                <a:srgbClr val="00B050"/>
-              </a:solidFill>
-              <a:ea typeface="+mn-lt"/>
-              <a:cs typeface="+mn-lt"/>
-            </a:endParaRPr>
-          </a:p>
-          <a:p>
-            <a:pPr marL="457200" indent="-457200"/>
-            <a:r>
-              <a:rPr lang="es-ES" sz="1600" dirty="0">
-                <a:solidFill>
-                  <a:srgbClr val="00B050"/>
-                </a:solidFill>
-                <a:ea typeface="+mn-lt"/>
-                <a:cs typeface="+mn-lt"/>
-              </a:rPr>
-              <a:t>...</a:t>
+              <a:rPr lang="es-ES" sz="1200" dirty="0"/>
+              <a:t>Desdobles (cómo se han realizado y si se han cumplido): {{DESDOBLES}}</a:t>
             </a:r>
           </a:p>
           <a:p>
-            <a:pPr marL="457200" indent="-457200"/>
-            <a:endParaRPr lang="es-ES" sz="1600" dirty="0">
-              <a:ea typeface="+mn-lt"/>
-              <a:cs typeface="+mn-lt"/>
-            </a:endParaRPr>
+            <a:endParaRPr lang="es-ES" sz="1200" dirty="0"/>
+          </a:p>
+          <a:p>
+            <a:r>
+              <a:rPr lang="es-ES" sz="1200" dirty="0"/>
+              <a:t>Deficiencias de formación detectadas: {{DEFICIENCIAS_FORMACION}}</a:t>
+            </a:r>
+          </a:p>
+          <a:p>
+            <a:endParaRPr lang="es-ES" sz="1200" dirty="0"/>
+          </a:p>
+          <a:p>
+            <a:r>
+              <a:rPr lang="es-ES" sz="1200" dirty="0"/>
+              <a:t>Solapes entre asignaturas: {{SOLAPES}}</a:t>
+            </a:r>
+          </a:p>
+          <a:p>
+            <a:endParaRPr lang="es-ES" sz="1200" dirty="0"/>
+          </a:p>
+          <a:p>
+            <a:r>
+              <a:rPr lang="es-ES" sz="1200" dirty="0"/>
+              <a:t>Observaciones destacables: {{OBSERVACIONES_DESTACABLES}}</a:t>
+            </a:r>
+          </a:p>
+          <a:p>
+            <a:endParaRPr lang="es-ES" sz="1200" dirty="0"/>
+          </a:p>
+          <a:p>
+            <a:r>
+              <a:rPr lang="es-ES" sz="1200" dirty="0"/>
+              <a:t>Comentarios destacables: {{COMENTARIOS_DESTACABLES}}</a:t>
+            </a:r>
           </a:p>
         </p:txBody>
       </p:sp>
     </p:spTree>
     <p:extLst>
       <p:ext uri="{BB962C8B-B14F-4D97-AF65-F5344CB8AC3E}">
-        <p14:creationId xmlns:p14="http://schemas.microsoft.com/office/powerpoint/2010/main" val="2281222883"/>
+        <p14:creationId xmlns:p14="http://schemas.microsoft.com/office/powerpoint/2010/main" val="2794326650"/>
       </p:ext>
     </p:extLst>
   </p:cSld>
@@ -19370,7 +18682,13 @@
   <p:cSld>
     <p:spTree>
       <p:nvGrpSpPr>
-        <p:cNvPr id="1" name=""/>
+        <p:cNvPr id="1" name="">
+          <a:extLst>
+            <a:ext uri="{FF2B5EF4-FFF2-40B4-BE49-F238E27FC236}">
+              <a16:creationId xmlns:a16="http://schemas.microsoft.com/office/drawing/2014/main" id="{630E6117-3482-6C06-3987-AE647A875CEF}"/>
+            </a:ext>
+          </a:extLst>
+        </p:cNvPr>
         <p:cNvGrpSpPr/>
         <p:nvPr/>
       </p:nvGrpSpPr>
@@ -19384,7 +18702,13 @@
       </p:grpSpPr>
       <p:sp>
         <p:nvSpPr>
-          <p:cNvPr id="6146" name="Título 1"/>
+          <p:cNvPr id="6146" name="Título 1">
+            <a:extLst>
+              <a:ext uri="{FF2B5EF4-FFF2-40B4-BE49-F238E27FC236}">
+                <a16:creationId xmlns:a16="http://schemas.microsoft.com/office/drawing/2014/main" id="{57F776D0-44EA-9373-E7A0-890DE530FDC7}"/>
+              </a:ext>
+            </a:extLst>
+          </p:cNvPr>
           <p:cNvSpPr>
             <a:spLocks noGrp="1"/>
           </p:cNvSpPr>
@@ -19405,19 +18729,25 @@
           <a:lstStyle/>
           <a:p>
             <a:r>
-              <a:rPr lang="es-ES" altLang="es-ES">
+              <a:rPr lang="es-ES" altLang="es-ES" dirty="0">
                 <a:latin typeface="Arial"/>
                 <a:cs typeface="Arial"/>
               </a:rPr>
               <a:t>Informe sobre los partes de asignatura de delegados</a:t>
             </a:r>
-            <a:endParaRPr lang="es-ES"/>
+            <a:endParaRPr lang="es-ES" altLang="es-ES" dirty="0"/>
           </a:p>
         </p:txBody>
       </p:sp>
       <p:sp>
         <p:nvSpPr>
-          <p:cNvPr id="2" name="Marcador de número de diapositiva 1"/>
+          <p:cNvPr id="2" name="Marcador de número de diapositiva 1">
+            <a:extLst>
+              <a:ext uri="{FF2B5EF4-FFF2-40B4-BE49-F238E27FC236}">
+                <a16:creationId xmlns:a16="http://schemas.microsoft.com/office/drawing/2014/main" id="{40804F4F-CBBE-5CCC-3C80-CEA1E5A2F526}"/>
+              </a:ext>
+            </a:extLst>
+          </p:cNvPr>
           <p:cNvSpPr>
             <a:spLocks noGrp="1"/>
           </p:cNvSpPr>
@@ -19440,449 +18770,114 @@
       </p:sp>
       <p:sp>
         <p:nvSpPr>
-          <p:cNvPr id="4" name="Marcador de contenido 2">
+          <p:cNvPr id="7" name="CuadroTexto 6">
             <a:extLst>
               <a:ext uri="{FF2B5EF4-FFF2-40B4-BE49-F238E27FC236}">
-                <a16:creationId xmlns:a16="http://schemas.microsoft.com/office/drawing/2014/main" id="{0DB0BAD3-ABA5-ED80-FCDA-932FA78213D9}"/>
+                <a16:creationId xmlns:a16="http://schemas.microsoft.com/office/drawing/2014/main" id="{EB599C8A-F087-777D-3482-DA16E37A93E7}"/>
               </a:ext>
             </a:extLst>
           </p:cNvPr>
-          <p:cNvSpPr txBox="1">
-            <a:spLocks/>
-          </p:cNvSpPr>
+          <p:cNvSpPr txBox="1"/>
           <p:nvPr/>
         </p:nvSpPr>
         <p:spPr>
           <a:xfrm>
-            <a:off x="401602" y="1449693"/>
-            <a:ext cx="8397875" cy="4709369"/>
+            <a:off x="780585" y="1564274"/>
+            <a:ext cx="7794455" cy="2492990"/>
           </a:xfrm>
           <a:prstGeom prst="rect">
             <a:avLst/>
           </a:prstGeom>
-          <a:ln w="12700">
+          <a:noFill/>
+          <a:ln w="12700" cap="flat">
+            <a:noFill/>
             <a:miter lim="400000"/>
           </a:ln>
+          <a:effectLst/>
         </p:spPr>
+        <p:style>
+          <a:lnRef idx="0">
+            <a:scrgbClr r="0" g="0" b="0"/>
+          </a:lnRef>
+          <a:fillRef idx="0">
+            <a:scrgbClr r="0" g="0" b="0"/>
+          </a:fillRef>
+          <a:effectRef idx="0">
+            <a:scrgbClr r="0" g="0" b="0"/>
+          </a:effectRef>
+          <a:fontRef idx="none"/>
+        </p:style>
         <p:txBody>
-          <a:bodyPr lIns="45719" tIns="45720" rIns="45719" bIns="45720" anchor="t">
-            <a:noAutofit/>
+          <a:bodyPr wrap="square">
+            <a:spAutoFit/>
           </a:bodyPr>
-          <a:lstStyle>
-            <a:lvl1pPr marL="342900" marR="0" indent="-342900" algn="l" defTabSz="914400" rtl="0" latinLnBrk="0">
-              <a:lnSpc>
-                <a:spcPct val="100000"/>
-              </a:lnSpc>
-              <a:spcBef>
-                <a:spcPts val="700"/>
-              </a:spcBef>
-              <a:spcAft>
-                <a:spcPts val="0"/>
-              </a:spcAft>
-              <a:buClrTx/>
-              <a:buSzPct val="100000"/>
-              <a:buFont typeface="Arial"/>
-              <a:buChar char="•"/>
-              <a:defRPr sz="3200" b="0" i="0" u="none" strike="noStrike" cap="none" spc="0" baseline="0">
-                <a:ln>
-                  <a:noFill/>
-                </a:ln>
-                <a:solidFill>
-                  <a:srgbClr val="000000"/>
-                </a:solidFill>
-                <a:uFillTx/>
-                <a:latin typeface="+mn-lt"/>
-                <a:ea typeface="+mn-ea"/>
-                <a:cs typeface="+mn-cs"/>
-                <a:sym typeface="Calibri" panose="020F0502020204030204"/>
-              </a:defRPr>
-            </a:lvl1pPr>
-            <a:lvl2pPr marL="783590" marR="0" indent="-326390" algn="l" defTabSz="914400" rtl="0" latinLnBrk="0">
-              <a:lnSpc>
-                <a:spcPct val="100000"/>
-              </a:lnSpc>
-              <a:spcBef>
-                <a:spcPts val="700"/>
-              </a:spcBef>
-              <a:spcAft>
-                <a:spcPts val="0"/>
-              </a:spcAft>
-              <a:buClrTx/>
-              <a:buSzPct val="100000"/>
-              <a:buFont typeface="Arial"/>
-              <a:buChar char="–"/>
-              <a:defRPr sz="3200" b="0" i="0" u="none" strike="noStrike" cap="none" spc="0" baseline="0">
-                <a:ln>
-                  <a:noFill/>
-                </a:ln>
-                <a:solidFill>
-                  <a:srgbClr val="000000"/>
-                </a:solidFill>
-                <a:uFillTx/>
-                <a:latin typeface="+mn-lt"/>
-                <a:ea typeface="+mn-ea"/>
-                <a:cs typeface="+mn-cs"/>
-                <a:sym typeface="Calibri" panose="020F0502020204030204"/>
-              </a:defRPr>
-            </a:lvl2pPr>
-            <a:lvl3pPr marL="1219200" marR="0" indent="-304800" algn="l" defTabSz="914400" rtl="0" latinLnBrk="0">
-              <a:lnSpc>
-                <a:spcPct val="100000"/>
-              </a:lnSpc>
-              <a:spcBef>
-                <a:spcPts val="700"/>
-              </a:spcBef>
-              <a:spcAft>
-                <a:spcPts val="0"/>
-              </a:spcAft>
-              <a:buClrTx/>
-              <a:buSzPct val="100000"/>
-              <a:buFont typeface="Arial"/>
-              <a:buChar char="•"/>
-              <a:defRPr sz="3200" b="0" i="0" u="none" strike="noStrike" cap="none" spc="0" baseline="0">
-                <a:ln>
-                  <a:noFill/>
-                </a:ln>
-                <a:solidFill>
-                  <a:srgbClr val="000000"/>
-                </a:solidFill>
-                <a:uFillTx/>
-                <a:latin typeface="+mn-lt"/>
-                <a:ea typeface="+mn-ea"/>
-                <a:cs typeface="+mn-cs"/>
-                <a:sym typeface="Calibri" panose="020F0502020204030204"/>
-              </a:defRPr>
-            </a:lvl3pPr>
-            <a:lvl4pPr marL="1737360" marR="0" indent="-365760" algn="l" defTabSz="914400" rtl="0" latinLnBrk="0">
-              <a:lnSpc>
-                <a:spcPct val="100000"/>
-              </a:lnSpc>
-              <a:spcBef>
-                <a:spcPts val="700"/>
-              </a:spcBef>
-              <a:spcAft>
-                <a:spcPts val="0"/>
-              </a:spcAft>
-              <a:buClrTx/>
-              <a:buSzPct val="100000"/>
-              <a:buFont typeface="Arial"/>
-              <a:buChar char="–"/>
-              <a:defRPr sz="3200" b="0" i="0" u="none" strike="noStrike" cap="none" spc="0" baseline="0">
-                <a:ln>
-                  <a:noFill/>
-                </a:ln>
-                <a:solidFill>
-                  <a:srgbClr val="000000"/>
-                </a:solidFill>
-                <a:uFillTx/>
-                <a:latin typeface="+mn-lt"/>
-                <a:ea typeface="+mn-ea"/>
-                <a:cs typeface="+mn-cs"/>
-                <a:sym typeface="Calibri" panose="020F0502020204030204"/>
-              </a:defRPr>
-            </a:lvl4pPr>
-            <a:lvl5pPr marL="2194560" marR="0" indent="-365760" algn="l" defTabSz="914400" rtl="0" latinLnBrk="0">
-              <a:lnSpc>
-                <a:spcPct val="100000"/>
-              </a:lnSpc>
-              <a:spcBef>
-                <a:spcPts val="700"/>
-              </a:spcBef>
-              <a:spcAft>
-                <a:spcPts val="0"/>
-              </a:spcAft>
-              <a:buClrTx/>
-              <a:buSzPct val="100000"/>
-              <a:buFont typeface="Arial"/>
-              <a:buChar char="»"/>
-              <a:defRPr sz="3200" b="0" i="0" u="none" strike="noStrike" cap="none" spc="0" baseline="0">
-                <a:ln>
-                  <a:noFill/>
-                </a:ln>
-                <a:solidFill>
-                  <a:srgbClr val="000000"/>
-                </a:solidFill>
-                <a:uFillTx/>
-                <a:latin typeface="+mn-lt"/>
-                <a:ea typeface="+mn-ea"/>
-                <a:cs typeface="+mn-cs"/>
-                <a:sym typeface="Calibri" panose="020F0502020204030204"/>
-              </a:defRPr>
-            </a:lvl5pPr>
-            <a:lvl6pPr marL="2651760" marR="0" indent="-365760" algn="l" defTabSz="914400" rtl="0" latinLnBrk="0">
-              <a:lnSpc>
-                <a:spcPct val="100000"/>
-              </a:lnSpc>
-              <a:spcBef>
-                <a:spcPts val="700"/>
-              </a:spcBef>
-              <a:spcAft>
-                <a:spcPts val="0"/>
-              </a:spcAft>
-              <a:buClrTx/>
-              <a:buSzPct val="100000"/>
-              <a:buFont typeface="Arial"/>
-              <a:buChar char="•"/>
-              <a:defRPr sz="3200" b="0" i="0" u="none" strike="noStrike" cap="none" spc="0" baseline="0">
-                <a:ln>
-                  <a:noFill/>
-                </a:ln>
-                <a:solidFill>
-                  <a:srgbClr val="000000"/>
-                </a:solidFill>
-                <a:uFillTx/>
-                <a:latin typeface="+mn-lt"/>
-                <a:ea typeface="+mn-ea"/>
-                <a:cs typeface="+mn-cs"/>
-                <a:sym typeface="Calibri" panose="020F0502020204030204"/>
-              </a:defRPr>
-            </a:lvl6pPr>
-            <a:lvl7pPr marL="3108960" marR="0" indent="-365760" algn="l" defTabSz="914400" rtl="0" latinLnBrk="0">
-              <a:lnSpc>
-                <a:spcPct val="100000"/>
-              </a:lnSpc>
-              <a:spcBef>
-                <a:spcPts val="700"/>
-              </a:spcBef>
-              <a:spcAft>
-                <a:spcPts val="0"/>
-              </a:spcAft>
-              <a:buClrTx/>
-              <a:buSzPct val="100000"/>
-              <a:buFont typeface="Arial"/>
-              <a:buChar char="•"/>
-              <a:defRPr sz="3200" b="0" i="0" u="none" strike="noStrike" cap="none" spc="0" baseline="0">
-                <a:ln>
-                  <a:noFill/>
-                </a:ln>
-                <a:solidFill>
-                  <a:srgbClr val="000000"/>
-                </a:solidFill>
-                <a:uFillTx/>
-                <a:latin typeface="+mn-lt"/>
-                <a:ea typeface="+mn-ea"/>
-                <a:cs typeface="+mn-cs"/>
-                <a:sym typeface="Calibri" panose="020F0502020204030204"/>
-              </a:defRPr>
-            </a:lvl7pPr>
-            <a:lvl8pPr marL="3566160" marR="0" indent="-365760" algn="l" defTabSz="914400" rtl="0" latinLnBrk="0">
-              <a:lnSpc>
-                <a:spcPct val="100000"/>
-              </a:lnSpc>
-              <a:spcBef>
-                <a:spcPts val="700"/>
-              </a:spcBef>
-              <a:spcAft>
-                <a:spcPts val="0"/>
-              </a:spcAft>
-              <a:buClrTx/>
-              <a:buSzPct val="100000"/>
-              <a:buFont typeface="Arial"/>
-              <a:buChar char="•"/>
-              <a:defRPr sz="3200" b="0" i="0" u="none" strike="noStrike" cap="none" spc="0" baseline="0">
-                <a:ln>
-                  <a:noFill/>
-                </a:ln>
-                <a:solidFill>
-                  <a:srgbClr val="000000"/>
-                </a:solidFill>
-                <a:uFillTx/>
-                <a:latin typeface="+mn-lt"/>
-                <a:ea typeface="+mn-ea"/>
-                <a:cs typeface="+mn-cs"/>
-                <a:sym typeface="Calibri" panose="020F0502020204030204"/>
-              </a:defRPr>
-            </a:lvl8pPr>
-            <a:lvl9pPr marL="4023360" marR="0" indent="-365760" algn="l" defTabSz="914400" rtl="0" latinLnBrk="0">
-              <a:lnSpc>
-                <a:spcPct val="100000"/>
-              </a:lnSpc>
-              <a:spcBef>
-                <a:spcPts val="700"/>
-              </a:spcBef>
-              <a:spcAft>
-                <a:spcPts val="0"/>
-              </a:spcAft>
-              <a:buClrTx/>
-              <a:buSzPct val="100000"/>
-              <a:buFont typeface="Arial"/>
-              <a:buChar char="•"/>
-              <a:defRPr sz="3200" b="0" i="0" u="none" strike="noStrike" cap="none" spc="0" baseline="0">
-                <a:ln>
-                  <a:noFill/>
-                </a:ln>
-                <a:solidFill>
-                  <a:srgbClr val="000000"/>
-                </a:solidFill>
-                <a:uFillTx/>
-                <a:latin typeface="+mn-lt"/>
-                <a:ea typeface="+mn-ea"/>
-                <a:cs typeface="+mn-cs"/>
-                <a:sym typeface="Calibri" panose="020F0502020204030204"/>
-              </a:defRPr>
-            </a:lvl9pPr>
-          </a:lstStyle>
+          <a:lstStyle/>
           <a:p>
-            <a:pPr marL="0" indent="0">
-              <a:buNone/>
-            </a:pPr>
             <a:r>
-              <a:rPr lang="es-ES" sz="1600" dirty="0">
-                <a:solidFill>
-                  <a:srgbClr val="00B050"/>
-                </a:solidFill>
-                <a:ea typeface="+mn-lt"/>
-                <a:cs typeface="+mn-lt"/>
-              </a:rPr>
-              <a:t>Aspectos que se pueden tratar:</a:t>
+              <a:rPr lang="es-ES" sz="1200" dirty="0"/>
+              <a:t>Número de partes de asignatura no rellenadas por los delegados: {{PARTES_NO_RELLENADAS_DELEGADOS}}</a:t>
             </a:r>
           </a:p>
           <a:p>
-            <a:pPr marL="457200" indent="-457200"/>
-            <a:r>
-              <a:rPr lang="es-ES" sz="1600" dirty="0" err="1">
-                <a:solidFill>
-                  <a:srgbClr val="00B050"/>
-                </a:solidFill>
-                <a:ea typeface="+mn-lt"/>
-                <a:cs typeface="+mn-lt"/>
-              </a:rPr>
-              <a:t>Nº</a:t>
-            </a:r>
-            <a:r>
-              <a:rPr lang="es-ES" sz="1600" dirty="0">
-                <a:solidFill>
-                  <a:srgbClr val="00B050"/>
-                </a:solidFill>
-                <a:ea typeface="+mn-lt"/>
-                <a:cs typeface="+mn-lt"/>
-              </a:rPr>
-              <a:t> de partes de asignatura que no han rellenado los delegados</a:t>
-            </a:r>
-            <a:endParaRPr lang="es-ES">
-              <a:solidFill>
-                <a:srgbClr val="00B050"/>
-              </a:solidFill>
-            </a:endParaRPr>
+            <a:endParaRPr lang="es-ES" sz="1200" dirty="0"/>
           </a:p>
           <a:p>
-            <a:pPr marL="457200" indent="-457200" hangingPunct="1"/>
             <a:r>
-              <a:rPr lang="es-ES" sz="1600" dirty="0">
-                <a:solidFill>
-                  <a:srgbClr val="00B050"/>
-                </a:solidFill>
-                <a:ea typeface="+mn-lt"/>
-                <a:cs typeface="+mn-lt"/>
-              </a:rPr>
-              <a:t>Análisis de la satisfacción con las asignaturas</a:t>
+              <a:rPr lang="es-ES" sz="1200" dirty="0"/>
+              <a:t>Análisis de la satisfacción con las asignaturas: {{SATISFACCION_ASIGNATURAS}}</a:t>
             </a:r>
           </a:p>
           <a:p>
-            <a:pPr marL="457200" indent="-457200"/>
-            <a:r>
-              <a:rPr lang="es-ES" sz="1600" dirty="0">
-                <a:solidFill>
-                  <a:srgbClr val="00B050"/>
-                </a:solidFill>
-                <a:ea typeface="+mn-lt"/>
-                <a:cs typeface="+mn-lt"/>
-              </a:rPr>
-              <a:t>Observaciones destacables</a:t>
-            </a:r>
-            <a:endParaRPr lang="es-ES">
-              <a:solidFill>
-                <a:srgbClr val="00B050"/>
-              </a:solidFill>
-              <a:ea typeface="+mn-lt"/>
-              <a:cs typeface="+mn-lt"/>
-            </a:endParaRPr>
+            <a:endParaRPr lang="es-ES" sz="1200" dirty="0"/>
           </a:p>
           <a:p>
-            <a:pPr marL="457200" indent="-457200"/>
             <a:r>
-              <a:rPr lang="es-ES" sz="1600" dirty="0">
-                <a:solidFill>
-                  <a:srgbClr val="00B050"/>
-                </a:solidFill>
-                <a:ea typeface="+mn-lt"/>
-                <a:cs typeface="+mn-lt"/>
-              </a:rPr>
-              <a:t>Comentarios destacables</a:t>
-            </a:r>
-            <a:endParaRPr lang="es-ES">
-              <a:solidFill>
-                <a:srgbClr val="00B050"/>
-              </a:solidFill>
-              <a:ea typeface="+mn-lt"/>
-              <a:cs typeface="+mn-lt"/>
-            </a:endParaRPr>
-          </a:p>
-          <a:p>
-            <a:pPr marL="457200" indent="-457200"/>
-            <a:r>
-              <a:rPr lang="es-ES" sz="1600" dirty="0">
-                <a:solidFill>
-                  <a:srgbClr val="00B050"/>
-                </a:solidFill>
-                <a:ea typeface="+mn-lt"/>
-                <a:cs typeface="+mn-lt"/>
-              </a:rPr>
-              <a:t>Felicitaciones</a:t>
+              <a:rPr lang="es-ES" sz="1200" dirty="0"/>
+              <a:t>Observaciones destacables: {{OBSERVACIONES_DESTACABLES}}</a:t>
             </a:r>
           </a:p>
           <a:p>
-            <a:pPr marL="457200" indent="-457200"/>
+            <a:endParaRPr lang="es-ES" sz="1200" dirty="0"/>
+          </a:p>
+          <a:p>
             <a:r>
-              <a:rPr lang="es-ES" sz="1600" dirty="0">
-                <a:solidFill>
-                  <a:srgbClr val="00B050"/>
-                </a:solidFill>
-                <a:ea typeface="+mn-lt"/>
-                <a:cs typeface="+mn-lt"/>
-              </a:rPr>
-              <a:t>Sugerencias de cambios</a:t>
+              <a:rPr lang="es-ES" sz="1200" dirty="0"/>
+              <a:t>Comentarios destacables: {{COMENTARIOS_DESTACABLES}}</a:t>
             </a:r>
           </a:p>
           <a:p>
-            <a:pPr marL="457200" indent="-457200"/>
+            <a:endParaRPr lang="es-ES" sz="1200" dirty="0"/>
+          </a:p>
+          <a:p>
             <a:r>
-              <a:rPr lang="es-ES" sz="1600" dirty="0">
-                <a:solidFill>
-                  <a:srgbClr val="00B050"/>
-                </a:solidFill>
-                <a:ea typeface="+mn-lt"/>
-                <a:cs typeface="+mn-lt"/>
-              </a:rPr>
-              <a:t>Resumen de la reunión con delegados</a:t>
+              <a:rPr lang="es-ES" sz="1200" dirty="0"/>
+              <a:t>Felicitaciones: {{FELICITACIONES}}</a:t>
             </a:r>
           </a:p>
           <a:p>
-            <a:pPr marL="457200" indent="-457200"/>
+            <a:endParaRPr lang="es-ES" sz="1200" dirty="0"/>
+          </a:p>
+          <a:p>
             <a:r>
-              <a:rPr lang="es-ES" sz="1600" dirty="0">
-                <a:solidFill>
-                  <a:srgbClr val="00B050"/>
-                </a:solidFill>
-                <a:ea typeface="+mn-lt"/>
-                <a:cs typeface="+mn-lt"/>
-              </a:rPr>
-              <a:t>...</a:t>
+              <a:rPr lang="es-ES" sz="1200" dirty="0"/>
+              <a:t>Sugerencias de cambios: {{SUGERENCIAS_CAMBIOS}}</a:t>
             </a:r>
           </a:p>
           <a:p>
-            <a:pPr marL="457200" indent="-457200"/>
-            <a:endParaRPr lang="es-ES" sz="1600" dirty="0">
-              <a:ea typeface="+mn-lt"/>
-              <a:cs typeface="+mn-lt"/>
-            </a:endParaRPr>
+            <a:endParaRPr lang="es-ES" sz="1200" dirty="0"/>
+          </a:p>
+          <a:p>
+            <a:r>
+              <a:rPr lang="es-ES" sz="1200" dirty="0"/>
+              <a:t>Resumen de la reunión con delegados: {{RESUMEN_REUNION_DELEGADOS}}</a:t>
+            </a:r>
           </a:p>
         </p:txBody>
       </p:sp>
     </p:spTree>
     <p:extLst>
       <p:ext uri="{BB962C8B-B14F-4D97-AF65-F5344CB8AC3E}">
-        <p14:creationId xmlns:p14="http://schemas.microsoft.com/office/powerpoint/2010/main" val="3975072573"/>
+        <p14:creationId xmlns:p14="http://schemas.microsoft.com/office/powerpoint/2010/main" val="3667963407"/>
       </p:ext>
     </p:extLst>
   </p:cSld>
@@ -20251,7 +19246,7 @@
             </a:lvl9pPr>
           </a:lstStyle>
           <a:p>
-            <a:pPr marL="457200" indent="-457200" hangingPunct="1"/>
+            <a:pPr hangingPunct="1"/>
             <a:r>
               <a:rPr lang="es-ES" sz="1600" dirty="0">
                 <a:solidFill>
@@ -20264,106 +19259,58 @@
             </a:r>
           </a:p>
           <a:p>
-            <a:pPr marL="0" indent="0">
-              <a:buNone/>
-            </a:pPr>
+            <a:pPr lvl="1" hangingPunct="1"/>
             <a:r>
-              <a:rPr lang="es-ES" sz="1600" dirty="0">
+              <a:rPr lang="es-ES" sz="1200" dirty="0">
                 <a:solidFill>
-                  <a:srgbClr val="00B050"/>
+                  <a:schemeClr val="tx1"/>
                 </a:solidFill>
                 <a:ea typeface="+mn-lt"/>
                 <a:cs typeface="+mn-lt"/>
               </a:rPr>
-              <a:t>   </a:t>
+              <a:t>Asignaturas que se han reunido: {{ASIGNATURAS_REUNIDAS_DOCENTES}}</a:t>
             </a:r>
+          </a:p>
+          <a:p>
+            <a:pPr lvl="1" hangingPunct="1"/>
             <a:r>
               <a:rPr lang="es-ES" sz="1200" dirty="0">
                 <a:solidFill>
-                  <a:srgbClr val="00B050"/>
+                  <a:schemeClr val="tx1"/>
                 </a:solidFill>
                 <a:ea typeface="+mn-lt"/>
                 <a:cs typeface="+mn-lt"/>
               </a:rPr>
-              <a:t>Aspectos que se pueden tratar:</a:t>
+              <a:t>Número de asignaturas de las que no consta información: {{ASIGNATURAS_SIN_INFO_DOCENTES}}</a:t>
             </a:r>
           </a:p>
           <a:p>
-            <a:pPr marL="897890" lvl="1">
-              <a:buFont typeface="Courier New"/>
-              <a:buChar char="o"/>
-            </a:pPr>
+            <a:pPr lvl="1" hangingPunct="1"/>
             <a:r>
               <a:rPr lang="es-ES" sz="1200" dirty="0">
                 <a:solidFill>
-                  <a:srgbClr val="00B050"/>
+                  <a:schemeClr val="tx1"/>
                 </a:solidFill>
                 <a:ea typeface="+mn-lt"/>
                 <a:cs typeface="+mn-lt"/>
               </a:rPr>
-              <a:t>Asignaturas que se han reunido</a:t>
+              <a:t>Principales temáticas de las reuniones: {{TEMATICAS_REUNIONES_DOCENTES}}</a:t>
             </a:r>
           </a:p>
           <a:p>
-            <a:pPr marL="897890" lvl="1">
-              <a:buFont typeface="Courier New"/>
-              <a:buChar char="o"/>
-            </a:pPr>
+            <a:pPr lvl="1" hangingPunct="1"/>
             <a:r>
-              <a:rPr lang="es-ES" sz="1200" err="1">
+              <a:rPr lang="es-ES" sz="1200" dirty="0">
                 <a:solidFill>
-                  <a:srgbClr val="00B050"/>
+                  <a:schemeClr val="tx1"/>
                 </a:solidFill>
                 <a:ea typeface="+mn-lt"/>
                 <a:cs typeface="+mn-lt"/>
               </a:rPr>
-              <a:t>Nº</a:t>
-            </a:r>
-            <a:r>
-              <a:rPr lang="es-ES" sz="1200" dirty="0">
-                <a:solidFill>
-                  <a:srgbClr val="00B050"/>
-                </a:solidFill>
-                <a:ea typeface="+mn-lt"/>
-                <a:cs typeface="+mn-lt"/>
-              </a:rPr>
-              <a:t> de asignaturas de las que no consta información</a:t>
+              <a:t>Conclusiones importantes: {{CONCLUSIONES_DOCENTES}}</a:t>
             </a:r>
           </a:p>
           <a:p>
-            <a:pPr marL="897890" lvl="1">
-              <a:buFont typeface="Courier New"/>
-              <a:buChar char="o"/>
-            </a:pPr>
-            <a:r>
-              <a:rPr lang="es-ES" sz="1200" dirty="0">
-                <a:solidFill>
-                  <a:srgbClr val="00B050"/>
-                </a:solidFill>
-                <a:ea typeface="+mn-lt"/>
-                <a:cs typeface="+mn-lt"/>
-              </a:rPr>
-              <a:t>Principales temáticas de las reuniones</a:t>
-            </a:r>
-          </a:p>
-          <a:p>
-            <a:pPr marL="897890" lvl="1">
-              <a:buFont typeface="Courier New"/>
-              <a:buChar char="o"/>
-            </a:pPr>
-            <a:r>
-              <a:rPr lang="es-ES" sz="1200" dirty="0">
-                <a:solidFill>
-                  <a:srgbClr val="00B050"/>
-                </a:solidFill>
-                <a:ea typeface="+mn-lt"/>
-                <a:cs typeface="+mn-lt"/>
-              </a:rPr>
-              <a:t>Conclusiones importantes...</a:t>
-            </a:r>
-          </a:p>
-          <a:p>
-            <a:pPr marL="457200" indent="-457200"/>
             <a:r>
               <a:rPr lang="es-ES" sz="1600" dirty="0">
                 <a:solidFill>
@@ -20376,91 +19323,58 @@
             </a:r>
           </a:p>
           <a:p>
-            <a:pPr marL="571500" lvl="1" indent="0">
-              <a:buNone/>
-            </a:pPr>
+            <a:pPr lvl="1"/>
             <a:r>
               <a:rPr lang="es-ES" sz="1200" dirty="0">
                 <a:solidFill>
-                  <a:srgbClr val="00B050"/>
+                  <a:schemeClr val="tx1"/>
                 </a:solidFill>
                 <a:ea typeface="+mn-lt"/>
                 <a:cs typeface="+mn-lt"/>
               </a:rPr>
-              <a:t>Aspectos que se pueden tratar:</a:t>
+              <a:t>Asignaturas que se han reunido: {{ASIGNATURAS_REUNIDAS_VERTICAL}}</a:t>
             </a:r>
           </a:p>
           <a:p>
-            <a:pPr marL="897890" lvl="1">
-              <a:buFont typeface="Courier New"/>
-              <a:buChar char="o"/>
-            </a:pPr>
+            <a:pPr lvl="1"/>
             <a:r>
               <a:rPr lang="es-ES" sz="1200" dirty="0">
                 <a:solidFill>
-                  <a:srgbClr val="00B050"/>
+                  <a:schemeClr val="tx1"/>
                 </a:solidFill>
                 <a:ea typeface="+mn-lt"/>
                 <a:cs typeface="+mn-lt"/>
               </a:rPr>
-              <a:t>Asignaturas que se han reunido</a:t>
+              <a:t>Principales temas tratados: {{TEMAS_VERTICAL}}</a:t>
             </a:r>
-            <a:endParaRPr lang="es-ES">
-              <a:solidFill>
-                <a:srgbClr val="00B050"/>
-              </a:solidFill>
-            </a:endParaRPr>
           </a:p>
           <a:p>
-            <a:pPr marL="897890" lvl="1">
-              <a:buFont typeface="Courier New"/>
-              <a:buChar char="o"/>
-            </a:pPr>
+            <a:pPr lvl="1"/>
             <a:r>
               <a:rPr lang="es-ES" sz="1200" dirty="0">
                 <a:solidFill>
-                  <a:srgbClr val="00B050"/>
+                  <a:schemeClr val="tx1"/>
                 </a:solidFill>
                 <a:ea typeface="+mn-lt"/>
                 <a:cs typeface="+mn-lt"/>
               </a:rPr>
-              <a:t>Principales temas tratados</a:t>
+              <a:t>Conclusiones importantes: {{CONCLUSIONES_VERTICAL}}</a:t>
             </a:r>
           </a:p>
           <a:p>
-            <a:pPr marL="897890" lvl="1">
-              <a:buFont typeface="Courier New"/>
-              <a:buChar char="o"/>
-            </a:pPr>
+            <a:pPr lvl="1"/>
             <a:r>
               <a:rPr lang="es-ES" sz="1200" dirty="0">
                 <a:solidFill>
-                  <a:srgbClr val="00B050"/>
+                  <a:schemeClr val="tx1"/>
                 </a:solidFill>
                 <a:ea typeface="+mn-lt"/>
                 <a:cs typeface="+mn-lt"/>
               </a:rPr>
-              <a:t>Conclusiones importantes</a:t>
+              <a:t>Futuras reuniones: {{FUTURAS_REUNIONES_VERTICAL}}</a:t>
             </a:r>
           </a:p>
           <a:p>
-            <a:pPr marL="897890" lvl="1">
-              <a:buFont typeface="Courier New"/>
-              <a:buChar char="o"/>
-            </a:pPr>
-            <a:r>
-              <a:rPr lang="es-ES" sz="1200" dirty="0">
-                <a:solidFill>
-                  <a:srgbClr val="00B050"/>
-                </a:solidFill>
-                <a:ea typeface="+mn-lt"/>
-                <a:cs typeface="+mn-lt"/>
-              </a:rPr>
-              <a:t>Futuras reuniones...</a:t>
-            </a:r>
-          </a:p>
-          <a:p>
-            <a:pPr marL="457200" indent="-457200"/>
             <a:r>
               <a:rPr lang="es-ES" sz="1600" dirty="0">
                 <a:solidFill>
@@ -20473,82 +19387,55 @@
             </a:r>
           </a:p>
           <a:p>
-            <a:pPr marL="571500" lvl="1" indent="0">
-              <a:buNone/>
-            </a:pPr>
+            <a:pPr lvl="1"/>
             <a:r>
               <a:rPr lang="es-ES" sz="1200" dirty="0">
                 <a:solidFill>
-                  <a:srgbClr val="00B050"/>
+                  <a:schemeClr val="tx1"/>
                 </a:solidFill>
                 <a:ea typeface="+mn-lt"/>
                 <a:cs typeface="+mn-lt"/>
               </a:rPr>
-              <a:t>Aspectos que se pueden tratar:</a:t>
+              <a:t>Asignaturas que se han reunido: {{ASIGNATURAS_REUNIDAS_HORIZONTAL}}</a:t>
             </a:r>
           </a:p>
           <a:p>
-            <a:pPr marL="897890" lvl="1">
-              <a:buFont typeface="Courier New"/>
-              <a:buChar char="o"/>
-            </a:pPr>
+            <a:pPr lvl="1"/>
             <a:r>
               <a:rPr lang="es-ES" sz="1200" dirty="0">
                 <a:solidFill>
-                  <a:srgbClr val="00B050"/>
+                  <a:schemeClr val="tx1"/>
                 </a:solidFill>
                 <a:ea typeface="+mn-lt"/>
                 <a:cs typeface="+mn-lt"/>
               </a:rPr>
-              <a:t>Asignaturas que se han reunido</a:t>
+              <a:t>Principales temas tratados: {{TEMAS_HORIZONTAL}}</a:t>
             </a:r>
           </a:p>
           <a:p>
-            <a:pPr marL="897890" lvl="1">
-              <a:buFont typeface="Courier New"/>
-              <a:buChar char="o"/>
-            </a:pPr>
+            <a:pPr lvl="1"/>
             <a:r>
               <a:rPr lang="es-ES" sz="1200" dirty="0">
                 <a:solidFill>
-                  <a:srgbClr val="00B050"/>
+                  <a:schemeClr val="tx1"/>
                 </a:solidFill>
                 <a:ea typeface="+mn-lt"/>
                 <a:cs typeface="+mn-lt"/>
               </a:rPr>
-              <a:t>Principales temas tratados</a:t>
+              <a:t>Conclusiones importantes: {{CONCLUSIONES_HORIZONTAL}}</a:t>
             </a:r>
           </a:p>
           <a:p>
-            <a:pPr marL="897890" lvl="1">
-              <a:buFont typeface="Courier New"/>
-              <a:buChar char="o"/>
-            </a:pPr>
+            <a:pPr lvl="1"/>
             <a:r>
               <a:rPr lang="es-ES" sz="1200" dirty="0">
                 <a:solidFill>
-                  <a:srgbClr val="00B050"/>
+                  <a:schemeClr val="tx1"/>
                 </a:solidFill>
                 <a:ea typeface="+mn-lt"/>
                 <a:cs typeface="+mn-lt"/>
               </a:rPr>
-              <a:t>Conclusiones importantes</a:t>
-            </a:r>
-          </a:p>
-          <a:p>
-            <a:pPr marL="897890" lvl="1">
-              <a:buFont typeface="Courier New"/>
-              <a:buChar char="o"/>
-            </a:pPr>
-            <a:r>
-              <a:rPr lang="es-ES" sz="1200" dirty="0">
-                <a:solidFill>
-                  <a:srgbClr val="00B050"/>
-                </a:solidFill>
-                <a:ea typeface="+mn-lt"/>
-                <a:cs typeface="+mn-lt"/>
-              </a:rPr>
-              <a:t>Futuras reuniones...</a:t>
+              <a:t>Futuras reuniones: {{FUTURAS_REUNIONES_HORIZONTAL}}</a:t>
             </a:r>
           </a:p>
         </p:txBody>

--- a/assets/Plantilla_ReunionesCoordinacionFinCuatrimestre.pptx
+++ b/assets/Plantilla_ReunionesCoordinacionFinCuatrimestre.pptx
@@ -11283,6 +11283,145 @@
     </pc:docChg>
   </pc:docChgLst>
   <pc:docChgLst>
+    <pc:chgData name="María Jesús Algar Díaz" userId="S::mariajesus.algar@urjc.es::dc2b64b8-f97f-4641-883e-c9a3add0d754" providerId="AD" clId="Web-{D2B8B1F2-4684-47BE-89A6-2AAE92B71A15}"/>
+    <pc:docChg chg="addSld modSld sldOrd">
+      <pc:chgData name="María Jesús Algar Díaz" userId="S::mariajesus.algar@urjc.es::dc2b64b8-f97f-4641-883e-c9a3add0d754" providerId="AD" clId="Web-{D2B8B1F2-4684-47BE-89A6-2AAE92B71A15}" dt="2022-03-07T09:49:05.197" v="405" actId="20577"/>
+      <pc:docMkLst>
+        <pc:docMk/>
+      </pc:docMkLst>
+      <pc:sldChg chg="addSp delSp modSp ord">
+        <pc:chgData name="María Jesús Algar Díaz" userId="S::mariajesus.algar@urjc.es::dc2b64b8-f97f-4641-883e-c9a3add0d754" providerId="AD" clId="Web-{D2B8B1F2-4684-47BE-89A6-2AAE92B71A15}" dt="2022-03-07T09:42:05.563" v="108" actId="20577"/>
+        <pc:sldMkLst>
+          <pc:docMk/>
+          <pc:sldMk cId="1489011670" sldId="554"/>
+        </pc:sldMkLst>
+        <pc:spChg chg="mod">
+          <ac:chgData name="María Jesús Algar Díaz" userId="S::mariajesus.algar@urjc.es::dc2b64b8-f97f-4641-883e-c9a3add0d754" providerId="AD" clId="Web-{D2B8B1F2-4684-47BE-89A6-2AAE92B71A15}" dt="2022-03-07T09:42:05.563" v="108" actId="20577"/>
+          <ac:spMkLst>
+            <pc:docMk/>
+            <pc:sldMk cId="1489011670" sldId="554"/>
+            <ac:spMk id="6146" creationId="{00000000-0000-0000-0000-000000000000}"/>
+          </ac:spMkLst>
+        </pc:spChg>
+        <pc:spChg chg="mod">
+          <ac:chgData name="María Jesús Algar Díaz" userId="S::mariajesus.algar@urjc.es::dc2b64b8-f97f-4641-883e-c9a3add0d754" providerId="AD" clId="Web-{D2B8B1F2-4684-47BE-89A6-2AAE92B71A15}" dt="2022-03-07T09:41:45.015" v="94" actId="20577"/>
+          <ac:spMkLst>
+            <pc:docMk/>
+            <pc:sldMk cId="1489011670" sldId="554"/>
+            <ac:spMk id="6147" creationId="{00000000-0000-0000-0000-000000000000}"/>
+          </ac:spMkLst>
+        </pc:spChg>
+        <pc:picChg chg="add del mod">
+          <ac:chgData name="María Jesús Algar Díaz" userId="S::mariajesus.algar@urjc.es::dc2b64b8-f97f-4641-883e-c9a3add0d754" providerId="AD" clId="Web-{D2B8B1F2-4684-47BE-89A6-2AAE92B71A15}" dt="2022-03-07T09:40:12.697" v="12"/>
+          <ac:picMkLst>
+            <pc:docMk/>
+            <pc:sldMk cId="1489011670" sldId="554"/>
+            <ac:picMk id="3" creationId="{AAE852AE-3F69-4E2E-89E0-AD488A79F2BB}"/>
+          </ac:picMkLst>
+        </pc:picChg>
+      </pc:sldChg>
+      <pc:sldChg chg="addSp modSp ord">
+        <pc:chgData name="María Jesús Algar Díaz" userId="S::mariajesus.algar@urjc.es::dc2b64b8-f97f-4641-883e-c9a3add0d754" providerId="AD" clId="Web-{D2B8B1F2-4684-47BE-89A6-2AAE92B71A15}" dt="2022-03-07T09:48:01.303" v="383" actId="1076"/>
+        <pc:sldMkLst>
+          <pc:docMk/>
+          <pc:sldMk cId="295087065" sldId="555"/>
+        </pc:sldMkLst>
+        <pc:spChg chg="add mod">
+          <ac:chgData name="María Jesús Algar Díaz" userId="S::mariajesus.algar@urjc.es::dc2b64b8-f97f-4641-883e-c9a3add0d754" providerId="AD" clId="Web-{D2B8B1F2-4684-47BE-89A6-2AAE92B71A15}" dt="2022-03-07T09:48:01.303" v="383" actId="1076"/>
+          <ac:spMkLst>
+            <pc:docMk/>
+            <pc:sldMk cId="295087065" sldId="555"/>
+            <ac:spMk id="3" creationId="{7DE97977-924C-4738-9FF4-E28FE49DEE69}"/>
+          </ac:spMkLst>
+        </pc:spChg>
+        <pc:spChg chg="add mod">
+          <ac:chgData name="María Jesús Algar Díaz" userId="S::mariajesus.algar@urjc.es::dc2b64b8-f97f-4641-883e-c9a3add0d754" providerId="AD" clId="Web-{D2B8B1F2-4684-47BE-89A6-2AAE92B71A15}" dt="2022-03-07T09:47:58.099" v="382"/>
+          <ac:spMkLst>
+            <pc:docMk/>
+            <pc:sldMk cId="295087065" sldId="555"/>
+            <ac:spMk id="4" creationId="{D3BBDA1C-AEE5-4EA8-86E1-47B2FB99A391}"/>
+          </ac:spMkLst>
+        </pc:spChg>
+        <pc:spChg chg="mod">
+          <ac:chgData name="María Jesús Algar Díaz" userId="S::mariajesus.algar@urjc.es::dc2b64b8-f97f-4641-883e-c9a3add0d754" providerId="AD" clId="Web-{D2B8B1F2-4684-47BE-89A6-2AAE92B71A15}" dt="2022-03-07T09:47:18.503" v="354" actId="20577"/>
+          <ac:spMkLst>
+            <pc:docMk/>
+            <pc:sldMk cId="295087065" sldId="555"/>
+            <ac:spMk id="6147" creationId="{00000000-0000-0000-0000-000000000000}"/>
+          </ac:spMkLst>
+        </pc:spChg>
+      </pc:sldChg>
+      <pc:sldChg chg="ord">
+        <pc:chgData name="María Jesús Algar Díaz" userId="S::mariajesus.algar@urjc.es::dc2b64b8-f97f-4641-883e-c9a3add0d754" providerId="AD" clId="Web-{D2B8B1F2-4684-47BE-89A6-2AAE92B71A15}" dt="2022-03-07T09:39:19.803" v="5"/>
+        <pc:sldMkLst>
+          <pc:docMk/>
+          <pc:sldMk cId="168610129" sldId="556"/>
+        </pc:sldMkLst>
+      </pc:sldChg>
+      <pc:sldChg chg="modSp add replId">
+        <pc:chgData name="María Jesús Algar Díaz" userId="S::mariajesus.algar@urjc.es::dc2b64b8-f97f-4641-883e-c9a3add0d754" providerId="AD" clId="Web-{D2B8B1F2-4684-47BE-89A6-2AAE92B71A15}" dt="2022-03-07T09:45:07.105" v="251" actId="20577"/>
+        <pc:sldMkLst>
+          <pc:docMk/>
+          <pc:sldMk cId="1023854477" sldId="557"/>
+        </pc:sldMkLst>
+        <pc:spChg chg="mod">
+          <ac:chgData name="María Jesús Algar Díaz" userId="S::mariajesus.algar@urjc.es::dc2b64b8-f97f-4641-883e-c9a3add0d754" providerId="AD" clId="Web-{D2B8B1F2-4684-47BE-89A6-2AAE92B71A15}" dt="2022-03-07T09:42:24.095" v="114" actId="20577"/>
+          <ac:spMkLst>
+            <pc:docMk/>
+            <pc:sldMk cId="1023854477" sldId="557"/>
+            <ac:spMk id="6146" creationId="{00000000-0000-0000-0000-000000000000}"/>
+          </ac:spMkLst>
+        </pc:spChg>
+        <pc:spChg chg="mod">
+          <ac:chgData name="María Jesús Algar Díaz" userId="S::mariajesus.algar@urjc.es::dc2b64b8-f97f-4641-883e-c9a3add0d754" providerId="AD" clId="Web-{D2B8B1F2-4684-47BE-89A6-2AAE92B71A15}" dt="2022-03-07T09:45:07.105" v="251" actId="20577"/>
+          <ac:spMkLst>
+            <pc:docMk/>
+            <pc:sldMk cId="1023854477" sldId="557"/>
+            <ac:spMk id="6147" creationId="{00000000-0000-0000-0000-000000000000}"/>
+          </ac:spMkLst>
+        </pc:spChg>
+      </pc:sldChg>
+      <pc:sldChg chg="modSp add replId">
+        <pc:chgData name="María Jesús Algar Díaz" userId="S::mariajesus.algar@urjc.es::dc2b64b8-f97f-4641-883e-c9a3add0d754" providerId="AD" clId="Web-{D2B8B1F2-4684-47BE-89A6-2AAE92B71A15}" dt="2022-03-07T09:46:20.484" v="324" actId="20577"/>
+        <pc:sldMkLst>
+          <pc:docMk/>
+          <pc:sldMk cId="1770753396" sldId="558"/>
+        </pc:sldMkLst>
+        <pc:spChg chg="mod">
+          <ac:chgData name="María Jesús Algar Díaz" userId="S::mariajesus.algar@urjc.es::dc2b64b8-f97f-4641-883e-c9a3add0d754" providerId="AD" clId="Web-{D2B8B1F2-4684-47BE-89A6-2AAE92B71A15}" dt="2022-03-07T09:46:20.484" v="324" actId="20577"/>
+          <ac:spMkLst>
+            <pc:docMk/>
+            <pc:sldMk cId="1770753396" sldId="558"/>
+            <ac:spMk id="6147" creationId="{00000000-0000-0000-0000-000000000000}"/>
+          </ac:spMkLst>
+        </pc:spChg>
+      </pc:sldChg>
+      <pc:sldChg chg="modSp add replId">
+        <pc:chgData name="María Jesús Algar Díaz" userId="S::mariajesus.algar@urjc.es::dc2b64b8-f97f-4641-883e-c9a3add0d754" providerId="AD" clId="Web-{D2B8B1F2-4684-47BE-89A6-2AAE92B71A15}" dt="2022-03-07T09:49:05.197" v="405" actId="20577"/>
+        <pc:sldMkLst>
+          <pc:docMk/>
+          <pc:sldMk cId="141102229" sldId="559"/>
+        </pc:sldMkLst>
+        <pc:spChg chg="mod">
+          <ac:chgData name="María Jesús Algar Díaz" userId="S::mariajesus.algar@urjc.es::dc2b64b8-f97f-4641-883e-c9a3add0d754" providerId="AD" clId="Web-{D2B8B1F2-4684-47BE-89A6-2AAE92B71A15}" dt="2022-03-07T09:49:05.197" v="405" actId="20577"/>
+          <ac:spMkLst>
+            <pc:docMk/>
+            <pc:sldMk cId="141102229" sldId="559"/>
+            <ac:spMk id="6146" creationId="{00000000-0000-0000-0000-000000000000}"/>
+          </ac:spMkLst>
+        </pc:spChg>
+        <pc:spChg chg="mod">
+          <ac:chgData name="María Jesús Algar Díaz" userId="S::mariajesus.algar@urjc.es::dc2b64b8-f97f-4641-883e-c9a3add0d754" providerId="AD" clId="Web-{D2B8B1F2-4684-47BE-89A6-2AAE92B71A15}" dt="2022-03-07T09:48:49.649" v="400" actId="20577"/>
+          <ac:spMkLst>
+            <pc:docMk/>
+            <pc:sldMk cId="141102229" sldId="559"/>
+            <ac:spMk id="6147" creationId="{00000000-0000-0000-0000-000000000000}"/>
+          </ac:spMkLst>
+        </pc:spChg>
+      </pc:sldChg>
+    </pc:docChg>
+  </pc:docChgLst>
+  <pc:docChgLst>
     <pc:chgData name="Jesús Sanchez-Oro Calvo" userId="S::jesus.sanchezoro@urjc.es::7a1a82d3-2fa3-4ccc-a987-67365126dc6a" providerId="AD" clId="Web-{41286508-7945-4533-B663-E9F347088DCA}"/>
     <pc:docChg chg="addSld modSld">
       <pc:chgData name="Jesús Sanchez-Oro Calvo" userId="S::jesus.sanchezoro@urjc.es::7a1a82d3-2fa3-4ccc-a987-67365126dc6a" providerId="AD" clId="Web-{41286508-7945-4533-B663-E9F347088DCA}" dt="2020-03-03T20:55:20.892" v="474" actId="20577"/>
@@ -11301,145 +11440,6 @@
             <pc:docMk/>
             <pc:sldMk cId="4114996785" sldId="514"/>
             <ac:spMk id="3" creationId="{00000000-0000-0000-0000-000000000000}"/>
-          </ac:spMkLst>
-        </pc:spChg>
-      </pc:sldChg>
-    </pc:docChg>
-  </pc:docChgLst>
-  <pc:docChgLst>
-    <pc:chgData name="María Jesús Algar Díaz" userId="S::mariajesus.algar@urjc.es::dc2b64b8-f97f-4641-883e-c9a3add0d754" providerId="AD" clId="Web-{D2B8B1F2-4684-47BE-89A6-2AAE92B71A15}"/>
-    <pc:docChg chg="addSld modSld sldOrd">
-      <pc:chgData name="María Jesús Algar Díaz" userId="S::mariajesus.algar@urjc.es::dc2b64b8-f97f-4641-883e-c9a3add0d754" providerId="AD" clId="Web-{D2B8B1F2-4684-47BE-89A6-2AAE92B71A15}" dt="2022-03-07T09:49:05.197" v="405" actId="20577"/>
-      <pc:docMkLst>
-        <pc:docMk/>
-      </pc:docMkLst>
-      <pc:sldChg chg="addSp delSp modSp ord">
-        <pc:chgData name="María Jesús Algar Díaz" userId="S::mariajesus.algar@urjc.es::dc2b64b8-f97f-4641-883e-c9a3add0d754" providerId="AD" clId="Web-{D2B8B1F2-4684-47BE-89A6-2AAE92B71A15}" dt="2022-03-07T09:42:05.563" v="108" actId="20577"/>
-        <pc:sldMkLst>
-          <pc:docMk/>
-          <pc:sldMk cId="1489011670" sldId="554"/>
-        </pc:sldMkLst>
-        <pc:spChg chg="mod">
-          <ac:chgData name="María Jesús Algar Díaz" userId="S::mariajesus.algar@urjc.es::dc2b64b8-f97f-4641-883e-c9a3add0d754" providerId="AD" clId="Web-{D2B8B1F2-4684-47BE-89A6-2AAE92B71A15}" dt="2022-03-07T09:42:05.563" v="108" actId="20577"/>
-          <ac:spMkLst>
-            <pc:docMk/>
-            <pc:sldMk cId="1489011670" sldId="554"/>
-            <ac:spMk id="6146" creationId="{00000000-0000-0000-0000-000000000000}"/>
-          </ac:spMkLst>
-        </pc:spChg>
-        <pc:spChg chg="mod">
-          <ac:chgData name="María Jesús Algar Díaz" userId="S::mariajesus.algar@urjc.es::dc2b64b8-f97f-4641-883e-c9a3add0d754" providerId="AD" clId="Web-{D2B8B1F2-4684-47BE-89A6-2AAE92B71A15}" dt="2022-03-07T09:41:45.015" v="94" actId="20577"/>
-          <ac:spMkLst>
-            <pc:docMk/>
-            <pc:sldMk cId="1489011670" sldId="554"/>
-            <ac:spMk id="6147" creationId="{00000000-0000-0000-0000-000000000000}"/>
-          </ac:spMkLst>
-        </pc:spChg>
-        <pc:picChg chg="add del mod">
-          <ac:chgData name="María Jesús Algar Díaz" userId="S::mariajesus.algar@urjc.es::dc2b64b8-f97f-4641-883e-c9a3add0d754" providerId="AD" clId="Web-{D2B8B1F2-4684-47BE-89A6-2AAE92B71A15}" dt="2022-03-07T09:40:12.697" v="12"/>
-          <ac:picMkLst>
-            <pc:docMk/>
-            <pc:sldMk cId="1489011670" sldId="554"/>
-            <ac:picMk id="3" creationId="{AAE852AE-3F69-4E2E-89E0-AD488A79F2BB}"/>
-          </ac:picMkLst>
-        </pc:picChg>
-      </pc:sldChg>
-      <pc:sldChg chg="addSp modSp ord">
-        <pc:chgData name="María Jesús Algar Díaz" userId="S::mariajesus.algar@urjc.es::dc2b64b8-f97f-4641-883e-c9a3add0d754" providerId="AD" clId="Web-{D2B8B1F2-4684-47BE-89A6-2AAE92B71A15}" dt="2022-03-07T09:48:01.303" v="383" actId="1076"/>
-        <pc:sldMkLst>
-          <pc:docMk/>
-          <pc:sldMk cId="295087065" sldId="555"/>
-        </pc:sldMkLst>
-        <pc:spChg chg="add mod">
-          <ac:chgData name="María Jesús Algar Díaz" userId="S::mariajesus.algar@urjc.es::dc2b64b8-f97f-4641-883e-c9a3add0d754" providerId="AD" clId="Web-{D2B8B1F2-4684-47BE-89A6-2AAE92B71A15}" dt="2022-03-07T09:48:01.303" v="383" actId="1076"/>
-          <ac:spMkLst>
-            <pc:docMk/>
-            <pc:sldMk cId="295087065" sldId="555"/>
-            <ac:spMk id="3" creationId="{7DE97977-924C-4738-9FF4-E28FE49DEE69}"/>
-          </ac:spMkLst>
-        </pc:spChg>
-        <pc:spChg chg="add mod">
-          <ac:chgData name="María Jesús Algar Díaz" userId="S::mariajesus.algar@urjc.es::dc2b64b8-f97f-4641-883e-c9a3add0d754" providerId="AD" clId="Web-{D2B8B1F2-4684-47BE-89A6-2AAE92B71A15}" dt="2022-03-07T09:47:58.099" v="382"/>
-          <ac:spMkLst>
-            <pc:docMk/>
-            <pc:sldMk cId="295087065" sldId="555"/>
-            <ac:spMk id="4" creationId="{D3BBDA1C-AEE5-4EA8-86E1-47B2FB99A391}"/>
-          </ac:spMkLst>
-        </pc:spChg>
-        <pc:spChg chg="mod">
-          <ac:chgData name="María Jesús Algar Díaz" userId="S::mariajesus.algar@urjc.es::dc2b64b8-f97f-4641-883e-c9a3add0d754" providerId="AD" clId="Web-{D2B8B1F2-4684-47BE-89A6-2AAE92B71A15}" dt="2022-03-07T09:47:18.503" v="354" actId="20577"/>
-          <ac:spMkLst>
-            <pc:docMk/>
-            <pc:sldMk cId="295087065" sldId="555"/>
-            <ac:spMk id="6147" creationId="{00000000-0000-0000-0000-000000000000}"/>
-          </ac:spMkLst>
-        </pc:spChg>
-      </pc:sldChg>
-      <pc:sldChg chg="ord">
-        <pc:chgData name="María Jesús Algar Díaz" userId="S::mariajesus.algar@urjc.es::dc2b64b8-f97f-4641-883e-c9a3add0d754" providerId="AD" clId="Web-{D2B8B1F2-4684-47BE-89A6-2AAE92B71A15}" dt="2022-03-07T09:39:19.803" v="5"/>
-        <pc:sldMkLst>
-          <pc:docMk/>
-          <pc:sldMk cId="168610129" sldId="556"/>
-        </pc:sldMkLst>
-      </pc:sldChg>
-      <pc:sldChg chg="modSp add replId">
-        <pc:chgData name="María Jesús Algar Díaz" userId="S::mariajesus.algar@urjc.es::dc2b64b8-f97f-4641-883e-c9a3add0d754" providerId="AD" clId="Web-{D2B8B1F2-4684-47BE-89A6-2AAE92B71A15}" dt="2022-03-07T09:45:07.105" v="251" actId="20577"/>
-        <pc:sldMkLst>
-          <pc:docMk/>
-          <pc:sldMk cId="1023854477" sldId="557"/>
-        </pc:sldMkLst>
-        <pc:spChg chg="mod">
-          <ac:chgData name="María Jesús Algar Díaz" userId="S::mariajesus.algar@urjc.es::dc2b64b8-f97f-4641-883e-c9a3add0d754" providerId="AD" clId="Web-{D2B8B1F2-4684-47BE-89A6-2AAE92B71A15}" dt="2022-03-07T09:42:24.095" v="114" actId="20577"/>
-          <ac:spMkLst>
-            <pc:docMk/>
-            <pc:sldMk cId="1023854477" sldId="557"/>
-            <ac:spMk id="6146" creationId="{00000000-0000-0000-0000-000000000000}"/>
-          </ac:spMkLst>
-        </pc:spChg>
-        <pc:spChg chg="mod">
-          <ac:chgData name="María Jesús Algar Díaz" userId="S::mariajesus.algar@urjc.es::dc2b64b8-f97f-4641-883e-c9a3add0d754" providerId="AD" clId="Web-{D2B8B1F2-4684-47BE-89A6-2AAE92B71A15}" dt="2022-03-07T09:45:07.105" v="251" actId="20577"/>
-          <ac:spMkLst>
-            <pc:docMk/>
-            <pc:sldMk cId="1023854477" sldId="557"/>
-            <ac:spMk id="6147" creationId="{00000000-0000-0000-0000-000000000000}"/>
-          </ac:spMkLst>
-        </pc:spChg>
-      </pc:sldChg>
-      <pc:sldChg chg="modSp add replId">
-        <pc:chgData name="María Jesús Algar Díaz" userId="S::mariajesus.algar@urjc.es::dc2b64b8-f97f-4641-883e-c9a3add0d754" providerId="AD" clId="Web-{D2B8B1F2-4684-47BE-89A6-2AAE92B71A15}" dt="2022-03-07T09:46:20.484" v="324" actId="20577"/>
-        <pc:sldMkLst>
-          <pc:docMk/>
-          <pc:sldMk cId="1770753396" sldId="558"/>
-        </pc:sldMkLst>
-        <pc:spChg chg="mod">
-          <ac:chgData name="María Jesús Algar Díaz" userId="S::mariajesus.algar@urjc.es::dc2b64b8-f97f-4641-883e-c9a3add0d754" providerId="AD" clId="Web-{D2B8B1F2-4684-47BE-89A6-2AAE92B71A15}" dt="2022-03-07T09:46:20.484" v="324" actId="20577"/>
-          <ac:spMkLst>
-            <pc:docMk/>
-            <pc:sldMk cId="1770753396" sldId="558"/>
-            <ac:spMk id="6147" creationId="{00000000-0000-0000-0000-000000000000}"/>
-          </ac:spMkLst>
-        </pc:spChg>
-      </pc:sldChg>
-      <pc:sldChg chg="modSp add replId">
-        <pc:chgData name="María Jesús Algar Díaz" userId="S::mariajesus.algar@urjc.es::dc2b64b8-f97f-4641-883e-c9a3add0d754" providerId="AD" clId="Web-{D2B8B1F2-4684-47BE-89A6-2AAE92B71A15}" dt="2022-03-07T09:49:05.197" v="405" actId="20577"/>
-        <pc:sldMkLst>
-          <pc:docMk/>
-          <pc:sldMk cId="141102229" sldId="559"/>
-        </pc:sldMkLst>
-        <pc:spChg chg="mod">
-          <ac:chgData name="María Jesús Algar Díaz" userId="S::mariajesus.algar@urjc.es::dc2b64b8-f97f-4641-883e-c9a3add0d754" providerId="AD" clId="Web-{D2B8B1F2-4684-47BE-89A6-2AAE92B71A15}" dt="2022-03-07T09:49:05.197" v="405" actId="20577"/>
-          <ac:spMkLst>
-            <pc:docMk/>
-            <pc:sldMk cId="141102229" sldId="559"/>
-            <ac:spMk id="6146" creationId="{00000000-0000-0000-0000-000000000000}"/>
-          </ac:spMkLst>
-        </pc:spChg>
-        <pc:spChg chg="mod">
-          <ac:chgData name="María Jesús Algar Díaz" userId="S::mariajesus.algar@urjc.es::dc2b64b8-f97f-4641-883e-c9a3add0d754" providerId="AD" clId="Web-{D2B8B1F2-4684-47BE-89A6-2AAE92B71A15}" dt="2022-03-07T09:48:49.649" v="400" actId="20577"/>
-          <ac:spMkLst>
-            <pc:docMk/>
-            <pc:sldMk cId="141102229" sldId="559"/>
-            <ac:spMk id="6147" creationId="{00000000-0000-0000-0000-000000000000}"/>
           </ac:spMkLst>
         </pc:spChg>
       </pc:sldChg>
@@ -18649,7 +18649,7 @@
           <a:p>
             <a:r>
               <a:rPr lang="es-ES" sz="1200" dirty="0"/>
-              <a:t>Observaciones destacables: {{OBSERVACIONES_DESTACABLES}}</a:t>
+              <a:t>Observaciones destacables: {{OBSERVACIONES_DESTACABLES_DOC}}</a:t>
             </a:r>
           </a:p>
           <a:p>
@@ -18658,8 +18658,13 @@
           <a:p>
             <a:r>
               <a:rPr lang="es-ES" sz="1200" dirty="0"/>
-              <a:t>Comentarios destacables: {{COMENTARIOS_DESTACABLES}}</a:t>
+              <a:t>Comentarios destacables: {{COMENTARIOS</a:t>
             </a:r>
+            <a:r>
+              <a:rPr lang="es-ES" sz="1200"/>
+              <a:t>_DESTACABLES_DOC}}</a:t>
+            </a:r>
+            <a:endParaRPr lang="es-ES" sz="1200" dirty="0"/>
           </a:p>
         </p:txBody>
       </p:sp>
@@ -18833,7 +18838,7 @@
           <a:p>
             <a:r>
               <a:rPr lang="es-ES" sz="1200" dirty="0"/>
-              <a:t>Observaciones destacables: {{OBSERVACIONES_DESTACABLES}}</a:t>
+              <a:t>Observaciones destacables: {{OBSERVACIONES_DESTACABLES_DEL}}</a:t>
             </a:r>
           </a:p>
           <a:p>
@@ -18842,7 +18847,7 @@
           <a:p>
             <a:r>
               <a:rPr lang="es-ES" sz="1200" dirty="0"/>
-              <a:t>Comentarios destacables: {{COMENTARIOS_DESTACABLES}}</a:t>
+              <a:t>Comentarios destacables: {{COMENTARIOS_DESTACABLES_DEL}}</a:t>
             </a:r>
           </a:p>
           <a:p>
